--- a/capstone/ppt slides/Topic modeling on amd and Nvidia's gpu launch.pptx
+++ b/capstone/ppt slides/Topic modeling on amd and Nvidia's gpu launch.pptx
@@ -5,7 +5,7 @@
     <p:sldMasterId id="2147483648" r:id="rId1"/>
   </p:sldMasterIdLst>
   <p:notesMasterIdLst>
-    <p:notesMasterId r:id="rId27"/>
+    <p:notesMasterId r:id="rId28"/>
   </p:notesMasterIdLst>
   <p:sldIdLst>
     <p:sldId id="256" r:id="rId2"/>
@@ -33,6 +33,7 @@
     <p:sldId id="282" r:id="rId24"/>
     <p:sldId id="283" r:id="rId25"/>
     <p:sldId id="284" r:id="rId26"/>
+    <p:sldId id="286" r:id="rId27"/>
   </p:sldIdLst>
   <p:sldSz cx="12192000" cy="6858000"/>
   <p:notesSz cx="6858000" cy="9144000"/>
@@ -177,6 +178,7 @@
           <p14:sldIdLst>
             <p14:sldId id="283"/>
             <p14:sldId id="284"/>
+            <p14:sldId id="286"/>
           </p14:sldIdLst>
         </p14:section>
       </p14:sectionLst>
@@ -3427,7 +3429,7 @@
           <a:noFill/>
           <a:extLst>
             <a:ext uri="{909E8E84-426E-40dd-AFC4-6F175D3DCCD1}">
-              <a14:hiddenFill xmlns="" xmlns:a14="http://schemas.microsoft.com/office/drawing/2010/main">
+              <a14:hiddenFill xmlns:a14="http://schemas.microsoft.com/office/drawing/2010/main" xmlns="">
                 <a:solidFill>
                   <a:srgbClr val="FFFFFF"/>
                 </a:solidFill>
@@ -3487,7 +3489,7 @@
             </a:ln>
             <a:extLst>
               <a:ext uri="{91240B29-F687-4f45-9708-019B960494DF}">
-                <a14:hiddenLine xmlns="" xmlns:a14="http://schemas.microsoft.com/office/drawing/2010/main" w="9525">
+                <a14:hiddenLine xmlns:a14="http://schemas.microsoft.com/office/drawing/2010/main" xmlns="" w="9525">
                   <a:solidFill>
                     <a:srgbClr val="000000"/>
                   </a:solidFill>
@@ -3577,7 +3579,7 @@
             </a:ln>
             <a:extLst>
               <a:ext uri="{91240B29-F687-4f45-9708-019B960494DF}">
-                <a14:hiddenLine xmlns="" xmlns:a14="http://schemas.microsoft.com/office/drawing/2010/main" w="9525">
+                <a14:hiddenLine xmlns:a14="http://schemas.microsoft.com/office/drawing/2010/main" xmlns="" w="9525">
                   <a:solidFill>
                     <a:srgbClr val="000000"/>
                   </a:solidFill>
@@ -3667,7 +3669,7 @@
             </a:ln>
             <a:extLst>
               <a:ext uri="{91240B29-F687-4f45-9708-019B960494DF}">
-                <a14:hiddenLine xmlns="" xmlns:a14="http://schemas.microsoft.com/office/drawing/2010/main" w="9525">
+                <a14:hiddenLine xmlns:a14="http://schemas.microsoft.com/office/drawing/2010/main" xmlns="" w="9525">
                   <a:solidFill>
                     <a:srgbClr val="000000"/>
                   </a:solidFill>
@@ -3701,7 +3703,7 @@
             </a:ln>
             <a:extLst>
               <a:ext uri="{91240B29-F687-4f45-9708-019B960494DF}">
-                <a14:hiddenLine xmlns="" xmlns:a14="http://schemas.microsoft.com/office/drawing/2010/main" w="9525">
+                <a14:hiddenLine xmlns:a14="http://schemas.microsoft.com/office/drawing/2010/main" xmlns="" w="9525">
                   <a:solidFill>
                     <a:srgbClr val="000000"/>
                   </a:solidFill>
@@ -3791,7 +3793,7 @@
             </a:ln>
             <a:extLst>
               <a:ext uri="{91240B29-F687-4f45-9708-019B960494DF}">
-                <a14:hiddenLine xmlns="" xmlns:a14="http://schemas.microsoft.com/office/drawing/2010/main" w="9525">
+                <a14:hiddenLine xmlns:a14="http://schemas.microsoft.com/office/drawing/2010/main" xmlns="" w="9525">
                   <a:solidFill>
                     <a:srgbClr val="000000"/>
                   </a:solidFill>
@@ -3853,7 +3855,7 @@
             </a:ln>
             <a:extLst>
               <a:ext uri="{91240B29-F687-4f45-9708-019B960494DF}">
-                <a14:hiddenLine xmlns="" xmlns:a14="http://schemas.microsoft.com/office/drawing/2010/main" w="9525">
+                <a14:hiddenLine xmlns:a14="http://schemas.microsoft.com/office/drawing/2010/main" xmlns="" w="9525">
                   <a:solidFill>
                     <a:srgbClr val="000000"/>
                   </a:solidFill>
@@ -3915,7 +3917,7 @@
             </a:ln>
             <a:extLst>
               <a:ext uri="{91240B29-F687-4f45-9708-019B960494DF}">
-                <a14:hiddenLine xmlns="" xmlns:a14="http://schemas.microsoft.com/office/drawing/2010/main" w="9525">
+                <a14:hiddenLine xmlns:a14="http://schemas.microsoft.com/office/drawing/2010/main" xmlns="" w="9525">
                   <a:solidFill>
                     <a:srgbClr val="000000"/>
                   </a:solidFill>
@@ -4005,7 +4007,7 @@
             </a:ln>
             <a:extLst>
               <a:ext uri="{91240B29-F687-4f45-9708-019B960494DF}">
-                <a14:hiddenLine xmlns="" xmlns:a14="http://schemas.microsoft.com/office/drawing/2010/main" w="9525">
+                <a14:hiddenLine xmlns:a14="http://schemas.microsoft.com/office/drawing/2010/main" xmlns="" w="9525">
                   <a:solidFill>
                     <a:srgbClr val="000000"/>
                   </a:solidFill>
@@ -4067,7 +4069,7 @@
             </a:ln>
             <a:extLst>
               <a:ext uri="{91240B29-F687-4f45-9708-019B960494DF}">
-                <a14:hiddenLine xmlns="" xmlns:a14="http://schemas.microsoft.com/office/drawing/2010/main" w="9525">
+                <a14:hiddenLine xmlns:a14="http://schemas.microsoft.com/office/drawing/2010/main" xmlns="" w="9525">
                   <a:solidFill>
                     <a:srgbClr val="000000"/>
                   </a:solidFill>
@@ -4129,7 +4131,7 @@
             </a:ln>
             <a:extLst>
               <a:ext uri="{91240B29-F687-4f45-9708-019B960494DF}">
-                <a14:hiddenLine xmlns="" xmlns:a14="http://schemas.microsoft.com/office/drawing/2010/main" w="9525">
+                <a14:hiddenLine xmlns:a14="http://schemas.microsoft.com/office/drawing/2010/main" xmlns="" w="9525">
                   <a:solidFill>
                     <a:srgbClr val="000000"/>
                   </a:solidFill>
@@ -4219,7 +4221,7 @@
             </a:ln>
             <a:extLst>
               <a:ext uri="{91240B29-F687-4f45-9708-019B960494DF}">
-                <a14:hiddenLine xmlns="" xmlns:a14="http://schemas.microsoft.com/office/drawing/2010/main" w="9525">
+                <a14:hiddenLine xmlns:a14="http://schemas.microsoft.com/office/drawing/2010/main" xmlns="" w="9525">
                   <a:solidFill>
                     <a:srgbClr val="000000"/>
                   </a:solidFill>
@@ -4309,7 +4311,7 @@
             </a:ln>
             <a:extLst>
               <a:ext uri="{91240B29-F687-4f45-9708-019B960494DF}">
-                <a14:hiddenLine xmlns="" xmlns:a14="http://schemas.microsoft.com/office/drawing/2010/main" w="9525">
+                <a14:hiddenLine xmlns:a14="http://schemas.microsoft.com/office/drawing/2010/main" xmlns="" w="9525">
                   <a:solidFill>
                     <a:srgbClr val="000000"/>
                   </a:solidFill>
@@ -4371,7 +4373,7 @@
             </a:ln>
             <a:extLst>
               <a:ext uri="{91240B29-F687-4f45-9708-019B960494DF}">
-                <a14:hiddenLine xmlns="" xmlns:a14="http://schemas.microsoft.com/office/drawing/2010/main" w="9525">
+                <a14:hiddenLine xmlns:a14="http://schemas.microsoft.com/office/drawing/2010/main" xmlns="" w="9525">
                   <a:solidFill>
                     <a:srgbClr val="000000"/>
                   </a:solidFill>
@@ -4481,7 +4483,7 @@
             </a:ln>
             <a:extLst>
               <a:ext uri="{91240B29-F687-4f45-9708-019B960494DF}">
-                <a14:hiddenLine xmlns="" xmlns:a14="http://schemas.microsoft.com/office/drawing/2010/main" w="9525">
+                <a14:hiddenLine xmlns:a14="http://schemas.microsoft.com/office/drawing/2010/main" xmlns="" w="9525">
                   <a:solidFill>
                     <a:srgbClr val="000000"/>
                   </a:solidFill>
@@ -4543,7 +4545,7 @@
             </a:ln>
             <a:extLst>
               <a:ext uri="{91240B29-F687-4f45-9708-019B960494DF}">
-                <a14:hiddenLine xmlns="" xmlns:a14="http://schemas.microsoft.com/office/drawing/2010/main" w="9525">
+                <a14:hiddenLine xmlns:a14="http://schemas.microsoft.com/office/drawing/2010/main" xmlns="" w="9525">
                   <a:solidFill>
                     <a:srgbClr val="000000"/>
                   </a:solidFill>
@@ -4633,7 +4635,7 @@
             </a:ln>
             <a:extLst>
               <a:ext uri="{91240B29-F687-4f45-9708-019B960494DF}">
-                <a14:hiddenLine xmlns="" xmlns:a14="http://schemas.microsoft.com/office/drawing/2010/main" w="9525">
+                <a14:hiddenLine xmlns:a14="http://schemas.microsoft.com/office/drawing/2010/main" xmlns="" w="9525">
                   <a:solidFill>
                     <a:srgbClr val="000000"/>
                   </a:solidFill>
@@ -4723,7 +4725,7 @@
             </a:ln>
             <a:extLst>
               <a:ext uri="{91240B29-F687-4f45-9708-019B960494DF}">
-                <a14:hiddenLine xmlns="" xmlns:a14="http://schemas.microsoft.com/office/drawing/2010/main" w="9525">
+                <a14:hiddenLine xmlns:a14="http://schemas.microsoft.com/office/drawing/2010/main" xmlns="" w="9525">
                   <a:solidFill>
                     <a:srgbClr val="000000"/>
                   </a:solidFill>
@@ -4785,7 +4787,7 @@
             </a:ln>
             <a:extLst>
               <a:ext uri="{91240B29-F687-4f45-9708-019B960494DF}">
-                <a14:hiddenLine xmlns="" xmlns:a14="http://schemas.microsoft.com/office/drawing/2010/main" w="9525">
+                <a14:hiddenLine xmlns:a14="http://schemas.microsoft.com/office/drawing/2010/main" xmlns="" w="9525">
                   <a:solidFill>
                     <a:srgbClr val="000000"/>
                   </a:solidFill>
@@ -4875,7 +4877,7 @@
             </a:ln>
             <a:extLst>
               <a:ext uri="{91240B29-F687-4f45-9708-019B960494DF}">
-                <a14:hiddenLine xmlns="" xmlns:a14="http://schemas.microsoft.com/office/drawing/2010/main" w="9525">
+                <a14:hiddenLine xmlns:a14="http://schemas.microsoft.com/office/drawing/2010/main" xmlns="" w="9525">
                   <a:solidFill>
                     <a:srgbClr val="000000"/>
                   </a:solidFill>
@@ -4965,7 +4967,7 @@
             </a:ln>
             <a:extLst>
               <a:ext uri="{91240B29-F687-4f45-9708-019B960494DF}">
-                <a14:hiddenLine xmlns="" xmlns:a14="http://schemas.microsoft.com/office/drawing/2010/main" w="9525">
+                <a14:hiddenLine xmlns:a14="http://schemas.microsoft.com/office/drawing/2010/main" xmlns="" w="9525">
                   <a:solidFill>
                     <a:srgbClr val="000000"/>
                   </a:solidFill>
@@ -5021,7 +5023,7 @@
             </a:ln>
             <a:extLst>
               <a:ext uri="{91240B29-F687-4f45-9708-019B960494DF}">
-                <a14:hiddenLine xmlns="" xmlns:a14="http://schemas.microsoft.com/office/drawing/2010/main" w="9525">
+                <a14:hiddenLine xmlns:a14="http://schemas.microsoft.com/office/drawing/2010/main" xmlns="" w="9525">
                   <a:solidFill>
                     <a:srgbClr val="000000"/>
                   </a:solidFill>
@@ -5111,7 +5113,7 @@
             </a:ln>
             <a:extLst>
               <a:ext uri="{91240B29-F687-4f45-9708-019B960494DF}">
-                <a14:hiddenLine xmlns="" xmlns:a14="http://schemas.microsoft.com/office/drawing/2010/main" w="9525">
+                <a14:hiddenLine xmlns:a14="http://schemas.microsoft.com/office/drawing/2010/main" xmlns="" w="9525">
                   <a:solidFill>
                     <a:srgbClr val="000000"/>
                   </a:solidFill>
@@ -5167,7 +5169,7 @@
             </a:ln>
             <a:extLst>
               <a:ext uri="{91240B29-F687-4f45-9708-019B960494DF}">
-                <a14:hiddenLine xmlns="" xmlns:a14="http://schemas.microsoft.com/office/drawing/2010/main" w="9525">
+                <a14:hiddenLine xmlns:a14="http://schemas.microsoft.com/office/drawing/2010/main" xmlns="" w="9525">
                   <a:solidFill>
                     <a:srgbClr val="000000"/>
                   </a:solidFill>
@@ -5257,7 +5259,7 @@
             </a:ln>
             <a:extLst>
               <a:ext uri="{91240B29-F687-4f45-9708-019B960494DF}">
-                <a14:hiddenLine xmlns="" xmlns:a14="http://schemas.microsoft.com/office/drawing/2010/main" w="9525">
+                <a14:hiddenLine xmlns:a14="http://schemas.microsoft.com/office/drawing/2010/main" xmlns="" w="9525">
                   <a:solidFill>
                     <a:srgbClr val="000000"/>
                   </a:solidFill>
@@ -5325,7 +5327,7 @@
             </a:ln>
             <a:extLst>
               <a:ext uri="{91240B29-F687-4f45-9708-019B960494DF}">
-                <a14:hiddenLine xmlns="" xmlns:a14="http://schemas.microsoft.com/office/drawing/2010/main" w="9525">
+                <a14:hiddenLine xmlns:a14="http://schemas.microsoft.com/office/drawing/2010/main" xmlns="" w="9525">
                   <a:solidFill>
                     <a:srgbClr val="000000"/>
                   </a:solidFill>
@@ -5415,7 +5417,7 @@
             </a:ln>
             <a:extLst>
               <a:ext uri="{91240B29-F687-4f45-9708-019B960494DF}">
-                <a14:hiddenLine xmlns="" xmlns:a14="http://schemas.microsoft.com/office/drawing/2010/main" w="9525">
+                <a14:hiddenLine xmlns:a14="http://schemas.microsoft.com/office/drawing/2010/main" xmlns="" w="9525">
                   <a:solidFill>
                     <a:srgbClr val="000000"/>
                   </a:solidFill>
@@ -5483,7 +5485,7 @@
             </a:ln>
             <a:extLst>
               <a:ext uri="{91240B29-F687-4f45-9708-019B960494DF}">
-                <a14:hiddenLine xmlns="" xmlns:a14="http://schemas.microsoft.com/office/drawing/2010/main" w="9525">
+                <a14:hiddenLine xmlns:a14="http://schemas.microsoft.com/office/drawing/2010/main" xmlns="" w="9525">
                   <a:solidFill>
                     <a:srgbClr val="000000"/>
                   </a:solidFill>
@@ -5573,7 +5575,7 @@
             </a:ln>
             <a:extLst>
               <a:ext uri="{91240B29-F687-4f45-9708-019B960494DF}">
-                <a14:hiddenLine xmlns="" xmlns:a14="http://schemas.microsoft.com/office/drawing/2010/main" w="9525">
+                <a14:hiddenLine xmlns:a14="http://schemas.microsoft.com/office/drawing/2010/main" xmlns="" w="9525">
                   <a:solidFill>
                     <a:srgbClr val="000000"/>
                   </a:solidFill>
@@ -5607,7 +5609,7 @@
             </a:ln>
             <a:extLst>
               <a:ext uri="{91240B29-F687-4f45-9708-019B960494DF}">
-                <a14:hiddenLine xmlns="" xmlns:a14="http://schemas.microsoft.com/office/drawing/2010/main" w="9525">
+                <a14:hiddenLine xmlns:a14="http://schemas.microsoft.com/office/drawing/2010/main" xmlns="" w="9525">
                   <a:solidFill>
                     <a:srgbClr val="000000"/>
                   </a:solidFill>
@@ -5697,7 +5699,7 @@
             </a:ln>
             <a:extLst>
               <a:ext uri="{91240B29-F687-4f45-9708-019B960494DF}">
-                <a14:hiddenLine xmlns="" xmlns:a14="http://schemas.microsoft.com/office/drawing/2010/main" w="9525">
+                <a14:hiddenLine xmlns:a14="http://schemas.microsoft.com/office/drawing/2010/main" xmlns="" w="9525">
                   <a:solidFill>
                     <a:srgbClr val="000000"/>
                   </a:solidFill>
@@ -5759,7 +5761,7 @@
             </a:ln>
             <a:extLst>
               <a:ext uri="{91240B29-F687-4f45-9708-019B960494DF}">
-                <a14:hiddenLine xmlns="" xmlns:a14="http://schemas.microsoft.com/office/drawing/2010/main" w="9525">
+                <a14:hiddenLine xmlns:a14="http://schemas.microsoft.com/office/drawing/2010/main" xmlns="" w="9525">
                   <a:solidFill>
                     <a:srgbClr val="000000"/>
                   </a:solidFill>
@@ -5821,7 +5823,7 @@
             </a:ln>
             <a:extLst>
               <a:ext uri="{91240B29-F687-4f45-9708-019B960494DF}">
-                <a14:hiddenLine xmlns="" xmlns:a14="http://schemas.microsoft.com/office/drawing/2010/main" w="9525">
+                <a14:hiddenLine xmlns:a14="http://schemas.microsoft.com/office/drawing/2010/main" xmlns="" w="9525">
                   <a:solidFill>
                     <a:srgbClr val="000000"/>
                   </a:solidFill>
@@ -5911,7 +5913,7 @@
             </a:ln>
             <a:extLst>
               <a:ext uri="{91240B29-F687-4f45-9708-019B960494DF}">
-                <a14:hiddenLine xmlns="" xmlns:a14="http://schemas.microsoft.com/office/drawing/2010/main" w="9525">
+                <a14:hiddenLine xmlns:a14="http://schemas.microsoft.com/office/drawing/2010/main" xmlns="" w="9525">
                   <a:solidFill>
                     <a:srgbClr val="000000"/>
                   </a:solidFill>
@@ -5979,7 +5981,7 @@
             </a:ln>
             <a:extLst>
               <a:ext uri="{91240B29-F687-4f45-9708-019B960494DF}">
-                <a14:hiddenLine xmlns="" xmlns:a14="http://schemas.microsoft.com/office/drawing/2010/main" w="9525">
+                <a14:hiddenLine xmlns:a14="http://schemas.microsoft.com/office/drawing/2010/main" xmlns="" w="9525">
                   <a:solidFill>
                     <a:srgbClr val="000000"/>
                   </a:solidFill>
@@ -6041,7 +6043,7 @@
             </a:ln>
             <a:extLst>
               <a:ext uri="{91240B29-F687-4f45-9708-019B960494DF}">
-                <a14:hiddenLine xmlns="" xmlns:a14="http://schemas.microsoft.com/office/drawing/2010/main" w="9525">
+                <a14:hiddenLine xmlns:a14="http://schemas.microsoft.com/office/drawing/2010/main" xmlns="" w="9525">
                   <a:solidFill>
                     <a:srgbClr val="000000"/>
                   </a:solidFill>
@@ -6131,7 +6133,7 @@
             </a:ln>
             <a:extLst>
               <a:ext uri="{91240B29-F687-4f45-9708-019B960494DF}">
-                <a14:hiddenLine xmlns="" xmlns:a14="http://schemas.microsoft.com/office/drawing/2010/main" w="9525">
+                <a14:hiddenLine xmlns:a14="http://schemas.microsoft.com/office/drawing/2010/main" xmlns="" w="9525">
                   <a:solidFill>
                     <a:srgbClr val="000000"/>
                   </a:solidFill>
@@ -6193,7 +6195,7 @@
             </a:ln>
             <a:extLst>
               <a:ext uri="{91240B29-F687-4f45-9708-019B960494DF}">
-                <a14:hiddenLine xmlns="" xmlns:a14="http://schemas.microsoft.com/office/drawing/2010/main" w="9525">
+                <a14:hiddenLine xmlns:a14="http://schemas.microsoft.com/office/drawing/2010/main" xmlns="" w="9525">
                   <a:solidFill>
                     <a:srgbClr val="000000"/>
                   </a:solidFill>
@@ -6283,7 +6285,7 @@
             </a:ln>
             <a:extLst>
               <a:ext uri="{91240B29-F687-4f45-9708-019B960494DF}">
-                <a14:hiddenLine xmlns="" xmlns:a14="http://schemas.microsoft.com/office/drawing/2010/main" w="9525">
+                <a14:hiddenLine xmlns:a14="http://schemas.microsoft.com/office/drawing/2010/main" xmlns="" w="9525">
                   <a:solidFill>
                     <a:srgbClr val="000000"/>
                   </a:solidFill>
@@ -6345,7 +6347,7 @@
             </a:ln>
             <a:extLst>
               <a:ext uri="{91240B29-F687-4f45-9708-019B960494DF}">
-                <a14:hiddenLine xmlns="" xmlns:a14="http://schemas.microsoft.com/office/drawing/2010/main" w="9525">
+                <a14:hiddenLine xmlns:a14="http://schemas.microsoft.com/office/drawing/2010/main" xmlns="" w="9525">
                   <a:solidFill>
                     <a:srgbClr val="000000"/>
                   </a:solidFill>
@@ -6435,7 +6437,7 @@
             </a:ln>
             <a:extLst>
               <a:ext uri="{91240B29-F687-4f45-9708-019B960494DF}">
-                <a14:hiddenLine xmlns="" xmlns:a14="http://schemas.microsoft.com/office/drawing/2010/main" w="9525">
+                <a14:hiddenLine xmlns:a14="http://schemas.microsoft.com/office/drawing/2010/main" xmlns="" w="9525">
                   <a:solidFill>
                     <a:srgbClr val="000000"/>
                   </a:solidFill>
@@ -6469,7 +6471,7 @@
             </a:ln>
             <a:extLst>
               <a:ext uri="{91240B29-F687-4f45-9708-019B960494DF}">
-                <a14:hiddenLine xmlns="" xmlns:a14="http://schemas.microsoft.com/office/drawing/2010/main" w="9525">
+                <a14:hiddenLine xmlns:a14="http://schemas.microsoft.com/office/drawing/2010/main" xmlns="" w="9525">
                   <a:solidFill>
                     <a:srgbClr val="000000"/>
                   </a:solidFill>
@@ -6534,7 +6536,7 @@
             </a:ln>
             <a:extLst>
               <a:ext uri="{91240B29-F687-4f45-9708-019B960494DF}">
-                <a14:hiddenLine xmlns="" xmlns:a14="http://schemas.microsoft.com/office/drawing/2010/main" w="9525">
+                <a14:hiddenLine xmlns:a14="http://schemas.microsoft.com/office/drawing/2010/main" xmlns="" w="9525">
                   <a:solidFill>
                     <a:srgbClr val="000000"/>
                   </a:solidFill>
@@ -6624,7 +6626,7 @@
             </a:ln>
             <a:extLst>
               <a:ext uri="{91240B29-F687-4f45-9708-019B960494DF}">
-                <a14:hiddenLine xmlns="" xmlns:a14="http://schemas.microsoft.com/office/drawing/2010/main" w="9525">
+                <a14:hiddenLine xmlns:a14="http://schemas.microsoft.com/office/drawing/2010/main" xmlns="" w="9525">
                   <a:solidFill>
                     <a:srgbClr val="000000"/>
                   </a:solidFill>
@@ -6686,7 +6688,7 @@
             </a:ln>
             <a:extLst>
               <a:ext uri="{91240B29-F687-4f45-9708-019B960494DF}">
-                <a14:hiddenLine xmlns="" xmlns:a14="http://schemas.microsoft.com/office/drawing/2010/main" w="9525">
+                <a14:hiddenLine xmlns:a14="http://schemas.microsoft.com/office/drawing/2010/main" xmlns="" w="9525">
                   <a:solidFill>
                     <a:srgbClr val="000000"/>
                   </a:solidFill>
@@ -6776,7 +6778,7 @@
             </a:ln>
             <a:extLst>
               <a:ext uri="{91240B29-F687-4f45-9708-019B960494DF}">
-                <a14:hiddenLine xmlns="" xmlns:a14="http://schemas.microsoft.com/office/drawing/2010/main" w="9525">
+                <a14:hiddenLine xmlns:a14="http://schemas.microsoft.com/office/drawing/2010/main" xmlns="" w="9525">
                   <a:solidFill>
                     <a:srgbClr val="000000"/>
                   </a:solidFill>
@@ -6866,7 +6868,7 @@
             </a:ln>
             <a:extLst>
               <a:ext uri="{91240B29-F687-4f45-9708-019B960494DF}">
-                <a14:hiddenLine xmlns="" xmlns:a14="http://schemas.microsoft.com/office/drawing/2010/main" w="9525">
+                <a14:hiddenLine xmlns:a14="http://schemas.microsoft.com/office/drawing/2010/main" xmlns="" w="9525">
                   <a:solidFill>
                     <a:srgbClr val="000000"/>
                   </a:solidFill>
@@ -6931,7 +6933,7 @@
             </a:ln>
             <a:extLst>
               <a:ext uri="{91240B29-F687-4f45-9708-019B960494DF}">
-                <a14:hiddenLine xmlns="" xmlns:a14="http://schemas.microsoft.com/office/drawing/2010/main" w="9525">
+                <a14:hiddenLine xmlns:a14="http://schemas.microsoft.com/office/drawing/2010/main" xmlns="" w="9525">
                   <a:solidFill>
                     <a:srgbClr val="000000"/>
                   </a:solidFill>
@@ -6993,7 +6995,7 @@
             </a:ln>
             <a:extLst>
               <a:ext uri="{91240B29-F687-4f45-9708-019B960494DF}">
-                <a14:hiddenLine xmlns="" xmlns:a14="http://schemas.microsoft.com/office/drawing/2010/main" w="9525">
+                <a14:hiddenLine xmlns:a14="http://schemas.microsoft.com/office/drawing/2010/main" xmlns="" w="9525">
                   <a:solidFill>
                     <a:srgbClr val="000000"/>
                   </a:solidFill>
@@ -7083,7 +7085,7 @@
             </a:ln>
             <a:extLst>
               <a:ext uri="{91240B29-F687-4f45-9708-019B960494DF}">
-                <a14:hiddenLine xmlns="" xmlns:a14="http://schemas.microsoft.com/office/drawing/2010/main" w="9525">
+                <a14:hiddenLine xmlns:a14="http://schemas.microsoft.com/office/drawing/2010/main" xmlns="" w="9525">
                   <a:solidFill>
                     <a:srgbClr val="000000"/>
                   </a:solidFill>
@@ -7173,7 +7175,7 @@
             </a:ln>
             <a:extLst>
               <a:ext uri="{91240B29-F687-4f45-9708-019B960494DF}">
-                <a14:hiddenLine xmlns="" xmlns:a14="http://schemas.microsoft.com/office/drawing/2010/main" w="9525">
+                <a14:hiddenLine xmlns:a14="http://schemas.microsoft.com/office/drawing/2010/main" xmlns="" w="9525">
                   <a:solidFill>
                     <a:srgbClr val="000000"/>
                   </a:solidFill>
@@ -7235,7 +7237,7 @@
             </a:ln>
             <a:extLst>
               <a:ext uri="{91240B29-F687-4f45-9708-019B960494DF}">
-                <a14:hiddenLine xmlns="" xmlns:a14="http://schemas.microsoft.com/office/drawing/2010/main" w="9525">
+                <a14:hiddenLine xmlns:a14="http://schemas.microsoft.com/office/drawing/2010/main" xmlns="" w="9525">
                   <a:solidFill>
                     <a:srgbClr val="000000"/>
                   </a:solidFill>
@@ -7355,7 +7357,7 @@
             </a:ln>
             <a:extLst>
               <a:ext uri="{91240B29-F687-4f45-9708-019B960494DF}">
-                <a14:hiddenLine xmlns="" xmlns:a14="http://schemas.microsoft.com/office/drawing/2010/main" w="9525">
+                <a14:hiddenLine xmlns:a14="http://schemas.microsoft.com/office/drawing/2010/main" xmlns="" w="9525">
                   <a:solidFill>
                     <a:srgbClr val="000000"/>
                   </a:solidFill>
@@ -7423,7 +7425,7 @@
             </a:ln>
             <a:extLst>
               <a:ext uri="{91240B29-F687-4f45-9708-019B960494DF}">
-                <a14:hiddenLine xmlns="" xmlns:a14="http://schemas.microsoft.com/office/drawing/2010/main" w="9525">
+                <a14:hiddenLine xmlns:a14="http://schemas.microsoft.com/office/drawing/2010/main" xmlns="" w="9525">
                   <a:solidFill>
                     <a:srgbClr val="000000"/>
                   </a:solidFill>
@@ -7513,7 +7515,7 @@
             </a:ln>
             <a:extLst>
               <a:ext uri="{91240B29-F687-4f45-9708-019B960494DF}">
-                <a14:hiddenLine xmlns="" xmlns:a14="http://schemas.microsoft.com/office/drawing/2010/main" w="9525">
+                <a14:hiddenLine xmlns:a14="http://schemas.microsoft.com/office/drawing/2010/main" xmlns="" w="9525">
                   <a:solidFill>
                     <a:srgbClr val="000000"/>
                   </a:solidFill>
@@ -12230,7 +12232,7 @@
           <a:noFill/>
           <a:extLst>
             <a:ext uri="{909E8E84-426E-40dd-AFC4-6F175D3DCCD1}">
-              <a14:hiddenFill xmlns="" xmlns:a14="http://schemas.microsoft.com/office/drawing/2010/main">
+              <a14:hiddenFill xmlns:a14="http://schemas.microsoft.com/office/drawing/2010/main" xmlns="">
                 <a:solidFill>
                   <a:srgbClr val="FFFFFF"/>
                 </a:solidFill>
@@ -12304,7 +12306,7 @@
               </a:ln>
               <a:extLst>
                 <a:ext uri="{91240B29-F687-4f45-9708-019B960494DF}">
-                  <a14:hiddenLine xmlns="" xmlns:a14="http://schemas.microsoft.com/office/drawing/2010/main" w="9525">
+                  <a14:hiddenLine xmlns:a14="http://schemas.microsoft.com/office/drawing/2010/main" xmlns="" w="9525">
                     <a:solidFill>
                       <a:srgbClr val="000000"/>
                     </a:solidFill>
@@ -12394,7 +12396,7 @@
               </a:ln>
               <a:extLst>
                 <a:ext uri="{91240B29-F687-4f45-9708-019B960494DF}">
-                  <a14:hiddenLine xmlns="" xmlns:a14="http://schemas.microsoft.com/office/drawing/2010/main" w="9525">
+                  <a14:hiddenLine xmlns:a14="http://schemas.microsoft.com/office/drawing/2010/main" xmlns="" w="9525">
                     <a:solidFill>
                       <a:srgbClr val="000000"/>
                     </a:solidFill>
@@ -12484,7 +12486,7 @@
               </a:ln>
               <a:extLst>
                 <a:ext uri="{91240B29-F687-4f45-9708-019B960494DF}">
-                  <a14:hiddenLine xmlns="" xmlns:a14="http://schemas.microsoft.com/office/drawing/2010/main" w="9525">
+                  <a14:hiddenLine xmlns:a14="http://schemas.microsoft.com/office/drawing/2010/main" xmlns="" w="9525">
                     <a:solidFill>
                       <a:srgbClr val="000000"/>
                     </a:solidFill>
@@ -12546,7 +12548,7 @@
               </a:ln>
               <a:extLst>
                 <a:ext uri="{91240B29-F687-4f45-9708-019B960494DF}">
-                  <a14:hiddenLine xmlns="" xmlns:a14="http://schemas.microsoft.com/office/drawing/2010/main" w="9525">
+                  <a14:hiddenLine xmlns:a14="http://schemas.microsoft.com/office/drawing/2010/main" xmlns="" w="9525">
                     <a:solidFill>
                       <a:srgbClr val="000000"/>
                     </a:solidFill>
@@ -12636,7 +12638,7 @@
               </a:ln>
               <a:extLst>
                 <a:ext uri="{91240B29-F687-4f45-9708-019B960494DF}">
-                  <a14:hiddenLine xmlns="" xmlns:a14="http://schemas.microsoft.com/office/drawing/2010/main" w="9525">
+                  <a14:hiddenLine xmlns:a14="http://schemas.microsoft.com/office/drawing/2010/main" xmlns="" w="9525">
                     <a:solidFill>
                       <a:srgbClr val="000000"/>
                     </a:solidFill>
@@ -12698,7 +12700,7 @@
               </a:ln>
               <a:extLst>
                 <a:ext uri="{91240B29-F687-4f45-9708-019B960494DF}">
-                  <a14:hiddenLine xmlns="" xmlns:a14="http://schemas.microsoft.com/office/drawing/2010/main" w="9525">
+                  <a14:hiddenLine xmlns:a14="http://schemas.microsoft.com/office/drawing/2010/main" xmlns="" w="9525">
                     <a:solidFill>
                       <a:srgbClr val="000000"/>
                     </a:solidFill>
@@ -12760,7 +12762,7 @@
               </a:ln>
               <a:extLst>
                 <a:ext uri="{91240B29-F687-4f45-9708-019B960494DF}">
-                  <a14:hiddenLine xmlns="" xmlns:a14="http://schemas.microsoft.com/office/drawing/2010/main" w="9525">
+                  <a14:hiddenLine xmlns:a14="http://schemas.microsoft.com/office/drawing/2010/main" xmlns="" w="9525">
                     <a:solidFill>
                       <a:srgbClr val="000000"/>
                     </a:solidFill>
@@ -12850,7 +12852,7 @@
               </a:ln>
               <a:extLst>
                 <a:ext uri="{91240B29-F687-4f45-9708-019B960494DF}">
-                  <a14:hiddenLine xmlns="" xmlns:a14="http://schemas.microsoft.com/office/drawing/2010/main" w="9525">
+                  <a14:hiddenLine xmlns:a14="http://schemas.microsoft.com/office/drawing/2010/main" xmlns="" w="9525">
                     <a:solidFill>
                       <a:srgbClr val="000000"/>
                     </a:solidFill>
@@ -12940,7 +12942,7 @@
               </a:ln>
               <a:extLst>
                 <a:ext uri="{91240B29-F687-4f45-9708-019B960494DF}">
-                  <a14:hiddenLine xmlns="" xmlns:a14="http://schemas.microsoft.com/office/drawing/2010/main" w="9525">
+                  <a14:hiddenLine xmlns:a14="http://schemas.microsoft.com/office/drawing/2010/main" xmlns="" w="9525">
                     <a:solidFill>
                       <a:srgbClr val="000000"/>
                     </a:solidFill>
@@ -13002,7 +13004,7 @@
               </a:ln>
               <a:extLst>
                 <a:ext uri="{91240B29-F687-4f45-9708-019B960494DF}">
-                  <a14:hiddenLine xmlns="" xmlns:a14="http://schemas.microsoft.com/office/drawing/2010/main" w="9525">
+                  <a14:hiddenLine xmlns:a14="http://schemas.microsoft.com/office/drawing/2010/main" xmlns="" w="9525">
                     <a:solidFill>
                       <a:srgbClr val="000000"/>
                     </a:solidFill>
@@ -13112,7 +13114,7 @@
               </a:ln>
               <a:extLst>
                 <a:ext uri="{91240B29-F687-4f45-9708-019B960494DF}">
-                  <a14:hiddenLine xmlns="" xmlns:a14="http://schemas.microsoft.com/office/drawing/2010/main" w="9525">
+                  <a14:hiddenLine xmlns:a14="http://schemas.microsoft.com/office/drawing/2010/main" xmlns="" w="9525">
                     <a:solidFill>
                       <a:srgbClr val="000000"/>
                     </a:solidFill>
@@ -13196,7 +13198,7 @@
               </a:ln>
               <a:extLst>
                 <a:ext uri="{91240B29-F687-4f45-9708-019B960494DF}">
-                  <a14:hiddenLine xmlns="" xmlns:a14="http://schemas.microsoft.com/office/drawing/2010/main" w="9525">
+                  <a14:hiddenLine xmlns:a14="http://schemas.microsoft.com/office/drawing/2010/main" xmlns="" w="9525">
                     <a:solidFill>
                       <a:srgbClr val="000000"/>
                     </a:solidFill>
@@ -13258,7 +13260,7 @@
               </a:ln>
               <a:extLst>
                 <a:ext uri="{91240B29-F687-4f45-9708-019B960494DF}">
-                  <a14:hiddenLine xmlns="" xmlns:a14="http://schemas.microsoft.com/office/drawing/2010/main" w="9525">
+                  <a14:hiddenLine xmlns:a14="http://schemas.microsoft.com/office/drawing/2010/main" xmlns="" w="9525">
                     <a:solidFill>
                       <a:srgbClr val="000000"/>
                     </a:solidFill>
@@ -13320,7 +13322,7 @@
               </a:ln>
               <a:extLst>
                 <a:ext uri="{91240B29-F687-4f45-9708-019B960494DF}">
-                  <a14:hiddenLine xmlns="" xmlns:a14="http://schemas.microsoft.com/office/drawing/2010/main" w="9525">
+                  <a14:hiddenLine xmlns:a14="http://schemas.microsoft.com/office/drawing/2010/main" xmlns="" w="9525">
                     <a:solidFill>
                       <a:srgbClr val="000000"/>
                     </a:solidFill>
@@ -13410,7 +13412,7 @@
               </a:ln>
               <a:extLst>
                 <a:ext uri="{91240B29-F687-4f45-9708-019B960494DF}">
-                  <a14:hiddenLine xmlns="" xmlns:a14="http://schemas.microsoft.com/office/drawing/2010/main" w="9525">
+                  <a14:hiddenLine xmlns:a14="http://schemas.microsoft.com/office/drawing/2010/main" xmlns="" w="9525">
                     <a:solidFill>
                       <a:srgbClr val="000000"/>
                     </a:solidFill>
@@ -13444,7 +13446,7 @@
               </a:ln>
               <a:extLst>
                 <a:ext uri="{91240B29-F687-4f45-9708-019B960494DF}">
-                  <a14:hiddenLine xmlns="" xmlns:a14="http://schemas.microsoft.com/office/drawing/2010/main" w="9525">
+                  <a14:hiddenLine xmlns:a14="http://schemas.microsoft.com/office/drawing/2010/main" xmlns="" w="9525">
                     <a:solidFill>
                       <a:srgbClr val="000000"/>
                     </a:solidFill>
@@ -13509,7 +13511,7 @@
               </a:ln>
               <a:extLst>
                 <a:ext uri="{91240B29-F687-4f45-9708-019B960494DF}">
-                  <a14:hiddenLine xmlns="" xmlns:a14="http://schemas.microsoft.com/office/drawing/2010/main" w="9525">
+                  <a14:hiddenLine xmlns:a14="http://schemas.microsoft.com/office/drawing/2010/main" xmlns="" w="9525">
                     <a:solidFill>
                       <a:srgbClr val="000000"/>
                     </a:solidFill>
@@ -13599,7 +13601,7 @@
               </a:ln>
               <a:extLst>
                 <a:ext uri="{91240B29-F687-4f45-9708-019B960494DF}">
-                  <a14:hiddenLine xmlns="" xmlns:a14="http://schemas.microsoft.com/office/drawing/2010/main" w="9525">
+                  <a14:hiddenLine xmlns:a14="http://schemas.microsoft.com/office/drawing/2010/main" xmlns="" w="9525">
                     <a:solidFill>
                       <a:srgbClr val="000000"/>
                     </a:solidFill>
@@ -13661,7 +13663,7 @@
               </a:ln>
               <a:extLst>
                 <a:ext uri="{91240B29-F687-4f45-9708-019B960494DF}">
-                  <a14:hiddenLine xmlns="" xmlns:a14="http://schemas.microsoft.com/office/drawing/2010/main" w="9525">
+                  <a14:hiddenLine xmlns:a14="http://schemas.microsoft.com/office/drawing/2010/main" xmlns="" w="9525">
                     <a:solidFill>
                       <a:srgbClr val="000000"/>
                     </a:solidFill>
@@ -13751,7 +13753,7 @@
               </a:ln>
               <a:extLst>
                 <a:ext uri="{91240B29-F687-4f45-9708-019B960494DF}">
-                  <a14:hiddenLine xmlns="" xmlns:a14="http://schemas.microsoft.com/office/drawing/2010/main" w="9525">
+                  <a14:hiddenLine xmlns:a14="http://schemas.microsoft.com/office/drawing/2010/main" xmlns="" w="9525">
                     <a:solidFill>
                       <a:srgbClr val="000000"/>
                     </a:solidFill>
@@ -13816,7 +13818,7 @@
               </a:ln>
               <a:extLst>
                 <a:ext uri="{91240B29-F687-4f45-9708-019B960494DF}">
-                  <a14:hiddenLine xmlns="" xmlns:a14="http://schemas.microsoft.com/office/drawing/2010/main" w="9525">
+                  <a14:hiddenLine xmlns:a14="http://schemas.microsoft.com/office/drawing/2010/main" xmlns="" w="9525">
                     <a:solidFill>
                       <a:srgbClr val="000000"/>
                     </a:solidFill>
@@ -13878,7 +13880,7 @@
               </a:ln>
               <a:extLst>
                 <a:ext uri="{91240B29-F687-4f45-9708-019B960494DF}">
-                  <a14:hiddenLine xmlns="" xmlns:a14="http://schemas.microsoft.com/office/drawing/2010/main" w="9525">
+                  <a14:hiddenLine xmlns:a14="http://schemas.microsoft.com/office/drawing/2010/main" xmlns="" w="9525">
                     <a:solidFill>
                       <a:srgbClr val="000000"/>
                     </a:solidFill>
@@ -13968,7 +13970,7 @@
               </a:ln>
               <a:extLst>
                 <a:ext uri="{91240B29-F687-4f45-9708-019B960494DF}">
-                  <a14:hiddenLine xmlns="" xmlns:a14="http://schemas.microsoft.com/office/drawing/2010/main" w="9525">
+                  <a14:hiddenLine xmlns:a14="http://schemas.microsoft.com/office/drawing/2010/main" xmlns="" w="9525">
                     <a:solidFill>
                       <a:srgbClr val="000000"/>
                     </a:solidFill>
@@ -14058,7 +14060,7 @@
               </a:ln>
               <a:extLst>
                 <a:ext uri="{91240B29-F687-4f45-9708-019B960494DF}">
-                  <a14:hiddenLine xmlns="" xmlns:a14="http://schemas.microsoft.com/office/drawing/2010/main" w="9525">
+                  <a14:hiddenLine xmlns:a14="http://schemas.microsoft.com/office/drawing/2010/main" xmlns="" w="9525">
                     <a:solidFill>
                       <a:srgbClr val="000000"/>
                     </a:solidFill>
@@ -14123,7 +14125,7 @@
               </a:ln>
               <a:extLst>
                 <a:ext uri="{91240B29-F687-4f45-9708-019B960494DF}">
-                  <a14:hiddenLine xmlns="" xmlns:a14="http://schemas.microsoft.com/office/drawing/2010/main" w="9525">
+                  <a14:hiddenLine xmlns:a14="http://schemas.microsoft.com/office/drawing/2010/main" xmlns="" w="9525">
                     <a:solidFill>
                       <a:srgbClr val="000000"/>
                     </a:solidFill>
@@ -14243,7 +14245,7 @@
               </a:ln>
               <a:extLst>
                 <a:ext uri="{91240B29-F687-4f45-9708-019B960494DF}">
-                  <a14:hiddenLine xmlns="" xmlns:a14="http://schemas.microsoft.com/office/drawing/2010/main" w="9525">
+                  <a14:hiddenLine xmlns:a14="http://schemas.microsoft.com/office/drawing/2010/main" xmlns="" w="9525">
                     <a:solidFill>
                       <a:srgbClr val="000000"/>
                     </a:solidFill>
@@ -14341,7 +14343,7 @@
               </a:ln>
               <a:extLst>
                 <a:ext uri="{91240B29-F687-4f45-9708-019B960494DF}">
-                  <a14:hiddenLine xmlns="" xmlns:a14="http://schemas.microsoft.com/office/drawing/2010/main" w="9525">
+                  <a14:hiddenLine xmlns:a14="http://schemas.microsoft.com/office/drawing/2010/main" xmlns="" w="9525">
                     <a:solidFill>
                       <a:srgbClr val="000000"/>
                     </a:solidFill>
@@ -14456,7 +14458,7 @@
               </a:ln>
               <a:extLst>
                 <a:ext uri="{91240B29-F687-4f45-9708-019B960494DF}">
-                  <a14:hiddenLine xmlns="" xmlns:a14="http://schemas.microsoft.com/office/drawing/2010/main" w="9525">
+                  <a14:hiddenLine xmlns:a14="http://schemas.microsoft.com/office/drawing/2010/main" xmlns="" w="9525">
                     <a:solidFill>
                       <a:srgbClr val="000000"/>
                     </a:solidFill>
@@ -14546,7 +14548,7 @@
               </a:ln>
               <a:extLst>
                 <a:ext uri="{91240B29-F687-4f45-9708-019B960494DF}">
-                  <a14:hiddenLine xmlns="" xmlns:a14="http://schemas.microsoft.com/office/drawing/2010/main" w="9525">
+                  <a14:hiddenLine xmlns:a14="http://schemas.microsoft.com/office/drawing/2010/main" xmlns="" w="9525">
                     <a:solidFill>
                       <a:srgbClr val="000000"/>
                     </a:solidFill>
@@ -14611,7 +14613,7 @@
               </a:ln>
               <a:extLst>
                 <a:ext uri="{91240B29-F687-4f45-9708-019B960494DF}">
-                  <a14:hiddenLine xmlns="" xmlns:a14="http://schemas.microsoft.com/office/drawing/2010/main" w="9525">
+                  <a14:hiddenLine xmlns:a14="http://schemas.microsoft.com/office/drawing/2010/main" xmlns="" w="9525">
                     <a:solidFill>
                       <a:srgbClr val="000000"/>
                     </a:solidFill>
@@ -14701,7 +14703,7 @@
               </a:ln>
               <a:extLst>
                 <a:ext uri="{91240B29-F687-4f45-9708-019B960494DF}">
-                  <a14:hiddenLine xmlns="" xmlns:a14="http://schemas.microsoft.com/office/drawing/2010/main" w="9525">
+                  <a14:hiddenLine xmlns:a14="http://schemas.microsoft.com/office/drawing/2010/main" xmlns="" w="9525">
                     <a:solidFill>
                       <a:srgbClr val="000000"/>
                     </a:solidFill>
@@ -14769,7 +14771,7 @@
               </a:ln>
               <a:extLst>
                 <a:ext uri="{91240B29-F687-4f45-9708-019B960494DF}">
-                  <a14:hiddenLine xmlns="" xmlns:a14="http://schemas.microsoft.com/office/drawing/2010/main" w="9525">
+                  <a14:hiddenLine xmlns:a14="http://schemas.microsoft.com/office/drawing/2010/main" xmlns="" w="9525">
                     <a:solidFill>
                       <a:srgbClr val="000000"/>
                     </a:solidFill>
@@ -14859,7 +14861,7 @@
               </a:ln>
               <a:extLst>
                 <a:ext uri="{91240B29-F687-4f45-9708-019B960494DF}">
-                  <a14:hiddenLine xmlns="" xmlns:a14="http://schemas.microsoft.com/office/drawing/2010/main" w="9525">
+                  <a14:hiddenLine xmlns:a14="http://schemas.microsoft.com/office/drawing/2010/main" xmlns="" w="9525">
                     <a:solidFill>
                       <a:srgbClr val="000000"/>
                     </a:solidFill>
@@ -14927,7 +14929,7 @@
               </a:ln>
               <a:extLst>
                 <a:ext uri="{91240B29-F687-4f45-9708-019B960494DF}">
-                  <a14:hiddenLine xmlns="" xmlns:a14="http://schemas.microsoft.com/office/drawing/2010/main" w="9525">
+                  <a14:hiddenLine xmlns:a14="http://schemas.microsoft.com/office/drawing/2010/main" xmlns="" w="9525">
                     <a:solidFill>
                       <a:srgbClr val="000000"/>
                     </a:solidFill>
@@ -15017,7 +15019,7 @@
               </a:ln>
               <a:extLst>
                 <a:ext uri="{91240B29-F687-4f45-9708-019B960494DF}">
-                  <a14:hiddenLine xmlns="" xmlns:a14="http://schemas.microsoft.com/office/drawing/2010/main" w="9525">
+                  <a14:hiddenLine xmlns:a14="http://schemas.microsoft.com/office/drawing/2010/main" xmlns="" w="9525">
                     <a:solidFill>
                       <a:srgbClr val="000000"/>
                     </a:solidFill>
@@ -15051,7 +15053,7 @@
               </a:ln>
               <a:extLst>
                 <a:ext uri="{91240B29-F687-4f45-9708-019B960494DF}">
-                  <a14:hiddenLine xmlns="" xmlns:a14="http://schemas.microsoft.com/office/drawing/2010/main" w="9525">
+                  <a14:hiddenLine xmlns:a14="http://schemas.microsoft.com/office/drawing/2010/main" xmlns="" w="9525">
                     <a:solidFill>
                       <a:srgbClr val="000000"/>
                     </a:solidFill>
@@ -16889,7 +16891,7 @@
           <a:noFill/>
           <a:extLst>
             <a:ext uri="{909E8E84-426E-40dd-AFC4-6F175D3DCCD1}">
-              <a14:hiddenFill xmlns:a14="http://schemas.microsoft.com/office/drawing/2010/main" xmlns:p14="http://schemas.microsoft.com/office/powerpoint/2010/main" xmlns:a16="http://schemas.microsoft.com/office/drawing/2014/main" xmlns="">
+              <a14:hiddenFill xmlns="" xmlns:a16="http://schemas.microsoft.com/office/drawing/2014/main" xmlns:p14="http://schemas.microsoft.com/office/powerpoint/2010/main" xmlns:a14="http://schemas.microsoft.com/office/drawing/2010/main">
                 <a:solidFill>
                   <a:srgbClr val="FFFFFF"/>
                 </a:solidFill>
@@ -17111,7 +17113,7 @@
             </a:ln>
             <a:extLst>
               <a:ext uri="{91240B29-F687-4f45-9708-019B960494DF}">
-                <a14:hiddenLine xmlns:a14="http://schemas.microsoft.com/office/drawing/2010/main" xmlns:p14="http://schemas.microsoft.com/office/powerpoint/2010/main" xmlns:a16="http://schemas.microsoft.com/office/drawing/2014/main" xmlns="" w="9525">
+                <a14:hiddenLine xmlns="" xmlns:a16="http://schemas.microsoft.com/office/drawing/2014/main" xmlns:p14="http://schemas.microsoft.com/office/powerpoint/2010/main" xmlns:a14="http://schemas.microsoft.com/office/drawing/2010/main" w="9525">
                   <a:solidFill>
                     <a:srgbClr val="000000"/>
                   </a:solidFill>
@@ -17216,7 +17218,7 @@
             </a:ln>
             <a:extLst>
               <a:ext uri="{91240B29-F687-4f45-9708-019B960494DF}">
-                <a14:hiddenLine xmlns:a14="http://schemas.microsoft.com/office/drawing/2010/main" xmlns:p14="http://schemas.microsoft.com/office/powerpoint/2010/main" xmlns:a16="http://schemas.microsoft.com/office/drawing/2014/main" xmlns="" w="9525">
+                <a14:hiddenLine xmlns="" xmlns:a16="http://schemas.microsoft.com/office/drawing/2014/main" xmlns:p14="http://schemas.microsoft.com/office/powerpoint/2010/main" xmlns:a14="http://schemas.microsoft.com/office/drawing/2010/main" w="9525">
                   <a:solidFill>
                     <a:srgbClr val="000000"/>
                   </a:solidFill>
@@ -17321,7 +17323,7 @@
             </a:ln>
             <a:extLst>
               <a:ext uri="{91240B29-F687-4f45-9708-019B960494DF}">
-                <a14:hiddenLine xmlns:a14="http://schemas.microsoft.com/office/drawing/2010/main" xmlns:p14="http://schemas.microsoft.com/office/powerpoint/2010/main" xmlns:a16="http://schemas.microsoft.com/office/drawing/2014/main" xmlns="" w="9525">
+                <a14:hiddenLine xmlns="" xmlns:a16="http://schemas.microsoft.com/office/drawing/2014/main" xmlns:p14="http://schemas.microsoft.com/office/powerpoint/2010/main" xmlns:a14="http://schemas.microsoft.com/office/drawing/2010/main" w="9525">
                   <a:solidFill>
                     <a:srgbClr val="000000"/>
                   </a:solidFill>
@@ -17398,7 +17400,7 @@
             </a:ln>
             <a:extLst>
               <a:ext uri="{91240B29-F687-4f45-9708-019B960494DF}">
-                <a14:hiddenLine xmlns:a14="http://schemas.microsoft.com/office/drawing/2010/main" xmlns:p14="http://schemas.microsoft.com/office/powerpoint/2010/main" xmlns:a16="http://schemas.microsoft.com/office/drawing/2014/main" xmlns="" w="9525">
+                <a14:hiddenLine xmlns="" xmlns:a16="http://schemas.microsoft.com/office/drawing/2014/main" xmlns:p14="http://schemas.microsoft.com/office/powerpoint/2010/main" xmlns:a14="http://schemas.microsoft.com/office/drawing/2010/main" w="9525">
                   <a:solidFill>
                     <a:srgbClr val="000000"/>
                   </a:solidFill>
@@ -17503,7 +17505,7 @@
             </a:ln>
             <a:extLst>
               <a:ext uri="{91240B29-F687-4f45-9708-019B960494DF}">
-                <a14:hiddenLine xmlns:a14="http://schemas.microsoft.com/office/drawing/2010/main" xmlns:p14="http://schemas.microsoft.com/office/powerpoint/2010/main" xmlns:a16="http://schemas.microsoft.com/office/drawing/2014/main" xmlns="" w="9525">
+                <a14:hiddenLine xmlns="" xmlns:a16="http://schemas.microsoft.com/office/drawing/2014/main" xmlns:p14="http://schemas.microsoft.com/office/powerpoint/2010/main" xmlns:a14="http://schemas.microsoft.com/office/drawing/2010/main" w="9525">
                   <a:solidFill>
                     <a:srgbClr val="000000"/>
                   </a:solidFill>
@@ -17580,7 +17582,7 @@
             </a:ln>
             <a:extLst>
               <a:ext uri="{91240B29-F687-4f45-9708-019B960494DF}">
-                <a14:hiddenLine xmlns:a14="http://schemas.microsoft.com/office/drawing/2010/main" xmlns:p14="http://schemas.microsoft.com/office/powerpoint/2010/main" xmlns:a16="http://schemas.microsoft.com/office/drawing/2014/main" xmlns="" w="9525">
+                <a14:hiddenLine xmlns="" xmlns:a16="http://schemas.microsoft.com/office/drawing/2014/main" xmlns:p14="http://schemas.microsoft.com/office/powerpoint/2010/main" xmlns:a14="http://schemas.microsoft.com/office/drawing/2010/main" w="9525">
                   <a:solidFill>
                     <a:srgbClr val="000000"/>
                   </a:solidFill>
@@ -17657,7 +17659,7 @@
             </a:ln>
             <a:extLst>
               <a:ext uri="{91240B29-F687-4f45-9708-019B960494DF}">
-                <a14:hiddenLine xmlns:a14="http://schemas.microsoft.com/office/drawing/2010/main" xmlns:p14="http://schemas.microsoft.com/office/powerpoint/2010/main" xmlns:a16="http://schemas.microsoft.com/office/drawing/2014/main" xmlns="" w="9525">
+                <a14:hiddenLine xmlns="" xmlns:a16="http://schemas.microsoft.com/office/drawing/2014/main" xmlns:p14="http://schemas.microsoft.com/office/powerpoint/2010/main" xmlns:a14="http://schemas.microsoft.com/office/drawing/2010/main" w="9525">
                   <a:solidFill>
                     <a:srgbClr val="000000"/>
                   </a:solidFill>
@@ -17762,7 +17764,7 @@
             </a:ln>
             <a:extLst>
               <a:ext uri="{91240B29-F687-4f45-9708-019B960494DF}">
-                <a14:hiddenLine xmlns:a14="http://schemas.microsoft.com/office/drawing/2010/main" xmlns:p14="http://schemas.microsoft.com/office/powerpoint/2010/main" xmlns:a16="http://schemas.microsoft.com/office/drawing/2014/main" xmlns="" w="9525">
+                <a14:hiddenLine xmlns="" xmlns:a16="http://schemas.microsoft.com/office/drawing/2014/main" xmlns:p14="http://schemas.microsoft.com/office/powerpoint/2010/main" xmlns:a14="http://schemas.microsoft.com/office/drawing/2010/main" w="9525">
                   <a:solidFill>
                     <a:srgbClr val="000000"/>
                   </a:solidFill>
@@ -17867,7 +17869,7 @@
             </a:ln>
             <a:extLst>
               <a:ext uri="{91240B29-F687-4f45-9708-019B960494DF}">
-                <a14:hiddenLine xmlns:a14="http://schemas.microsoft.com/office/drawing/2010/main" xmlns:p14="http://schemas.microsoft.com/office/powerpoint/2010/main" xmlns:a16="http://schemas.microsoft.com/office/drawing/2014/main" xmlns="" w="9525">
+                <a14:hiddenLine xmlns="" xmlns:a16="http://schemas.microsoft.com/office/drawing/2014/main" xmlns:p14="http://schemas.microsoft.com/office/powerpoint/2010/main" xmlns:a14="http://schemas.microsoft.com/office/drawing/2010/main" w="9525">
                   <a:solidFill>
                     <a:srgbClr val="000000"/>
                   </a:solidFill>
@@ -17944,7 +17946,7 @@
             </a:ln>
             <a:extLst>
               <a:ext uri="{91240B29-F687-4f45-9708-019B960494DF}">
-                <a14:hiddenLine xmlns:a14="http://schemas.microsoft.com/office/drawing/2010/main" xmlns:p14="http://schemas.microsoft.com/office/powerpoint/2010/main" xmlns:a16="http://schemas.microsoft.com/office/drawing/2014/main" xmlns="" w="9525">
+                <a14:hiddenLine xmlns="" xmlns:a16="http://schemas.microsoft.com/office/drawing/2014/main" xmlns:p14="http://schemas.microsoft.com/office/powerpoint/2010/main" xmlns:a14="http://schemas.microsoft.com/office/drawing/2010/main" w="9525">
                   <a:solidFill>
                     <a:srgbClr val="000000"/>
                   </a:solidFill>
@@ -18069,7 +18071,7 @@
             </a:ln>
             <a:extLst>
               <a:ext uri="{91240B29-F687-4f45-9708-019B960494DF}">
-                <a14:hiddenLine xmlns:a14="http://schemas.microsoft.com/office/drawing/2010/main" xmlns:p14="http://schemas.microsoft.com/office/powerpoint/2010/main" xmlns:a16="http://schemas.microsoft.com/office/drawing/2014/main" xmlns="" w="9525">
+                <a14:hiddenLine xmlns="" xmlns:a16="http://schemas.microsoft.com/office/drawing/2014/main" xmlns:p14="http://schemas.microsoft.com/office/powerpoint/2010/main" xmlns:a14="http://schemas.microsoft.com/office/drawing/2010/main" w="9525">
                   <a:solidFill>
                     <a:srgbClr val="000000"/>
                   </a:solidFill>
@@ -18183,7 +18185,7 @@
             </a:ln>
             <a:extLst>
               <a:ext uri="{91240B29-F687-4f45-9708-019B960494DF}">
-                <a14:hiddenLine xmlns:a14="http://schemas.microsoft.com/office/drawing/2010/main" xmlns:p14="http://schemas.microsoft.com/office/powerpoint/2010/main" xmlns:a16="http://schemas.microsoft.com/office/drawing/2014/main" xmlns="" w="9525">
+                <a14:hiddenLine xmlns="" xmlns:a16="http://schemas.microsoft.com/office/drawing/2014/main" xmlns:p14="http://schemas.microsoft.com/office/powerpoint/2010/main" xmlns:a14="http://schemas.microsoft.com/office/drawing/2010/main" w="9525">
                   <a:solidFill>
                     <a:srgbClr val="000000"/>
                   </a:solidFill>
@@ -18260,7 +18262,7 @@
             </a:ln>
             <a:extLst>
               <a:ext uri="{91240B29-F687-4f45-9708-019B960494DF}">
-                <a14:hiddenLine xmlns:a14="http://schemas.microsoft.com/office/drawing/2010/main" xmlns:p14="http://schemas.microsoft.com/office/powerpoint/2010/main" xmlns:a16="http://schemas.microsoft.com/office/drawing/2014/main" xmlns="" w="9525">
+                <a14:hiddenLine xmlns="" xmlns:a16="http://schemas.microsoft.com/office/drawing/2014/main" xmlns:p14="http://schemas.microsoft.com/office/powerpoint/2010/main" xmlns:a14="http://schemas.microsoft.com/office/drawing/2010/main" w="9525">
                   <a:solidFill>
                     <a:srgbClr val="000000"/>
                   </a:solidFill>
@@ -18337,7 +18339,7 @@
             </a:ln>
             <a:extLst>
               <a:ext uri="{91240B29-F687-4f45-9708-019B960494DF}">
-                <a14:hiddenLine xmlns:a14="http://schemas.microsoft.com/office/drawing/2010/main" xmlns:p14="http://schemas.microsoft.com/office/powerpoint/2010/main" xmlns:a16="http://schemas.microsoft.com/office/drawing/2014/main" xmlns="" w="9525">
+                <a14:hiddenLine xmlns="" xmlns:a16="http://schemas.microsoft.com/office/drawing/2014/main" xmlns:p14="http://schemas.microsoft.com/office/powerpoint/2010/main" xmlns:a14="http://schemas.microsoft.com/office/drawing/2010/main" w="9525">
                   <a:solidFill>
                     <a:srgbClr val="000000"/>
                   </a:solidFill>
@@ -18442,7 +18444,7 @@
             </a:ln>
             <a:extLst>
               <a:ext uri="{91240B29-F687-4f45-9708-019B960494DF}">
-                <a14:hiddenLine xmlns:a14="http://schemas.microsoft.com/office/drawing/2010/main" xmlns:p14="http://schemas.microsoft.com/office/powerpoint/2010/main" xmlns:a16="http://schemas.microsoft.com/office/drawing/2014/main" xmlns="" w="9525">
+                <a14:hiddenLine xmlns="" xmlns:a16="http://schemas.microsoft.com/office/drawing/2014/main" xmlns:p14="http://schemas.microsoft.com/office/powerpoint/2010/main" xmlns:a14="http://schemas.microsoft.com/office/drawing/2010/main" w="9525">
                   <a:solidFill>
                     <a:srgbClr val="000000"/>
                   </a:solidFill>
@@ -18491,7 +18493,7 @@
             </a:ln>
             <a:extLst>
               <a:ext uri="{91240B29-F687-4f45-9708-019B960494DF}">
-                <a14:hiddenLine xmlns:a14="http://schemas.microsoft.com/office/drawing/2010/main" xmlns:p14="http://schemas.microsoft.com/office/powerpoint/2010/main" xmlns:a16="http://schemas.microsoft.com/office/drawing/2014/main" xmlns="" w="9525">
+                <a14:hiddenLine xmlns="" xmlns:a16="http://schemas.microsoft.com/office/drawing/2014/main" xmlns:p14="http://schemas.microsoft.com/office/powerpoint/2010/main" xmlns:a14="http://schemas.microsoft.com/office/drawing/2010/main" w="9525">
                   <a:solidFill>
                     <a:srgbClr val="000000"/>
                   </a:solidFill>
@@ -18571,7 +18573,7 @@
             </a:ln>
             <a:extLst>
               <a:ext uri="{91240B29-F687-4f45-9708-019B960494DF}">
-                <a14:hiddenLine xmlns:a14="http://schemas.microsoft.com/office/drawing/2010/main" xmlns:p14="http://schemas.microsoft.com/office/powerpoint/2010/main" xmlns:a16="http://schemas.microsoft.com/office/drawing/2014/main" xmlns="" w="9525">
+                <a14:hiddenLine xmlns="" xmlns:a16="http://schemas.microsoft.com/office/drawing/2014/main" xmlns:p14="http://schemas.microsoft.com/office/powerpoint/2010/main" xmlns:a14="http://schemas.microsoft.com/office/drawing/2010/main" w="9525">
                   <a:solidFill>
                     <a:srgbClr val="000000"/>
                   </a:solidFill>
@@ -18676,7 +18678,7 @@
             </a:ln>
             <a:extLst>
               <a:ext uri="{91240B29-F687-4f45-9708-019B960494DF}">
-                <a14:hiddenLine xmlns:a14="http://schemas.microsoft.com/office/drawing/2010/main" xmlns:p14="http://schemas.microsoft.com/office/powerpoint/2010/main" xmlns:a16="http://schemas.microsoft.com/office/drawing/2014/main" xmlns="" w="9525">
+                <a14:hiddenLine xmlns="" xmlns:a16="http://schemas.microsoft.com/office/drawing/2014/main" xmlns:p14="http://schemas.microsoft.com/office/powerpoint/2010/main" xmlns:a14="http://schemas.microsoft.com/office/drawing/2010/main" w="9525">
                   <a:solidFill>
                     <a:srgbClr val="000000"/>
                   </a:solidFill>
@@ -18753,7 +18755,7 @@
             </a:ln>
             <a:extLst>
               <a:ext uri="{91240B29-F687-4f45-9708-019B960494DF}">
-                <a14:hiddenLine xmlns:a14="http://schemas.microsoft.com/office/drawing/2010/main" xmlns:p14="http://schemas.microsoft.com/office/powerpoint/2010/main" xmlns:a16="http://schemas.microsoft.com/office/drawing/2014/main" xmlns="" w="9525">
+                <a14:hiddenLine xmlns="" xmlns:a16="http://schemas.microsoft.com/office/drawing/2014/main" xmlns:p14="http://schemas.microsoft.com/office/powerpoint/2010/main" xmlns:a14="http://schemas.microsoft.com/office/drawing/2010/main" w="9525">
                   <a:solidFill>
                     <a:srgbClr val="000000"/>
                   </a:solidFill>
@@ -18858,7 +18860,7 @@
             </a:ln>
             <a:extLst>
               <a:ext uri="{91240B29-F687-4f45-9708-019B960494DF}">
-                <a14:hiddenLine xmlns:a14="http://schemas.microsoft.com/office/drawing/2010/main" xmlns:p14="http://schemas.microsoft.com/office/powerpoint/2010/main" xmlns:a16="http://schemas.microsoft.com/office/drawing/2014/main" xmlns="" w="9525">
+                <a14:hiddenLine xmlns="" xmlns:a16="http://schemas.microsoft.com/office/drawing/2014/main" xmlns:p14="http://schemas.microsoft.com/office/powerpoint/2010/main" xmlns:a14="http://schemas.microsoft.com/office/drawing/2010/main" w="9525">
                   <a:solidFill>
                     <a:srgbClr val="000000"/>
                   </a:solidFill>
@@ -18938,7 +18940,7 @@
             </a:ln>
             <a:extLst>
               <a:ext uri="{91240B29-F687-4f45-9708-019B960494DF}">
-                <a14:hiddenLine xmlns:a14="http://schemas.microsoft.com/office/drawing/2010/main" xmlns:p14="http://schemas.microsoft.com/office/powerpoint/2010/main" xmlns:a16="http://schemas.microsoft.com/office/drawing/2014/main" xmlns="" w="9525">
+                <a14:hiddenLine xmlns="" xmlns:a16="http://schemas.microsoft.com/office/drawing/2014/main" xmlns:p14="http://schemas.microsoft.com/office/powerpoint/2010/main" xmlns:a14="http://schemas.microsoft.com/office/drawing/2010/main" w="9525">
                   <a:solidFill>
                     <a:srgbClr val="000000"/>
                   </a:solidFill>
@@ -19015,7 +19017,7 @@
             </a:ln>
             <a:extLst>
               <a:ext uri="{91240B29-F687-4f45-9708-019B960494DF}">
-                <a14:hiddenLine xmlns:a14="http://schemas.microsoft.com/office/drawing/2010/main" xmlns:p14="http://schemas.microsoft.com/office/powerpoint/2010/main" xmlns:a16="http://schemas.microsoft.com/office/drawing/2014/main" xmlns="" w="9525">
+                <a14:hiddenLine xmlns="" xmlns:a16="http://schemas.microsoft.com/office/drawing/2014/main" xmlns:p14="http://schemas.microsoft.com/office/powerpoint/2010/main" xmlns:a14="http://schemas.microsoft.com/office/drawing/2010/main" w="9525">
                   <a:solidFill>
                     <a:srgbClr val="000000"/>
                   </a:solidFill>
@@ -19120,7 +19122,7 @@
             </a:ln>
             <a:extLst>
               <a:ext uri="{91240B29-F687-4f45-9708-019B960494DF}">
-                <a14:hiddenLine xmlns:a14="http://schemas.microsoft.com/office/drawing/2010/main" xmlns:p14="http://schemas.microsoft.com/office/powerpoint/2010/main" xmlns:a16="http://schemas.microsoft.com/office/drawing/2014/main" xmlns="" w="9525">
+                <a14:hiddenLine xmlns="" xmlns:a16="http://schemas.microsoft.com/office/drawing/2014/main" xmlns:p14="http://schemas.microsoft.com/office/powerpoint/2010/main" xmlns:a14="http://schemas.microsoft.com/office/drawing/2010/main" w="9525">
                   <a:solidFill>
                     <a:srgbClr val="000000"/>
                   </a:solidFill>
@@ -19225,7 +19227,7 @@
             </a:ln>
             <a:extLst>
               <a:ext uri="{91240B29-F687-4f45-9708-019B960494DF}">
-                <a14:hiddenLine xmlns:a14="http://schemas.microsoft.com/office/drawing/2010/main" xmlns:p14="http://schemas.microsoft.com/office/powerpoint/2010/main" xmlns:a16="http://schemas.microsoft.com/office/drawing/2014/main" xmlns="" w="9525">
+                <a14:hiddenLine xmlns="" xmlns:a16="http://schemas.microsoft.com/office/drawing/2014/main" xmlns:p14="http://schemas.microsoft.com/office/powerpoint/2010/main" xmlns:a14="http://schemas.microsoft.com/office/drawing/2010/main" w="9525">
                   <a:solidFill>
                     <a:srgbClr val="000000"/>
                   </a:solidFill>
@@ -19305,7 +19307,7 @@
             </a:ln>
             <a:extLst>
               <a:ext uri="{91240B29-F687-4f45-9708-019B960494DF}">
-                <a14:hiddenLine xmlns:a14="http://schemas.microsoft.com/office/drawing/2010/main" xmlns:p14="http://schemas.microsoft.com/office/powerpoint/2010/main" xmlns:a16="http://schemas.microsoft.com/office/drawing/2014/main" xmlns="" w="9525">
+                <a14:hiddenLine xmlns="" xmlns:a16="http://schemas.microsoft.com/office/drawing/2014/main" xmlns:p14="http://schemas.microsoft.com/office/powerpoint/2010/main" xmlns:a14="http://schemas.microsoft.com/office/drawing/2010/main" w="9525">
                   <a:solidFill>
                     <a:srgbClr val="000000"/>
                   </a:solidFill>
@@ -19440,7 +19442,7 @@
             </a:ln>
             <a:extLst>
               <a:ext uri="{91240B29-F687-4f45-9708-019B960494DF}">
-                <a14:hiddenLine xmlns:a14="http://schemas.microsoft.com/office/drawing/2010/main" xmlns:p14="http://schemas.microsoft.com/office/powerpoint/2010/main" xmlns:a16="http://schemas.microsoft.com/office/drawing/2014/main" xmlns="" w="9525">
+                <a14:hiddenLine xmlns="" xmlns:a16="http://schemas.microsoft.com/office/drawing/2014/main" xmlns:p14="http://schemas.microsoft.com/office/powerpoint/2010/main" xmlns:a14="http://schemas.microsoft.com/office/drawing/2010/main" w="9525">
                   <a:solidFill>
                     <a:srgbClr val="000000"/>
                   </a:solidFill>
@@ -21737,6 +21739,72 @@
     <p:extLst>
       <p:ext uri="{BB962C8B-B14F-4D97-AF65-F5344CB8AC3E}">
         <p14:creationId xmlns:p14="http://schemas.microsoft.com/office/powerpoint/2010/main" val="498840775"/>
+      </p:ext>
+    </p:extLst>
+  </p:cSld>
+  <p:clrMapOvr>
+    <a:masterClrMapping/>
+  </p:clrMapOvr>
+</p:sld>
+</file>
+
+<file path=ppt/slides/slide26.xml><?xml version="1.0" encoding="utf-8"?>
+<p:sld xmlns:a="http://schemas.openxmlformats.org/drawingml/2006/main" xmlns:r="http://schemas.openxmlformats.org/officeDocument/2006/relationships" xmlns:p="http://schemas.openxmlformats.org/presentationml/2006/main">
+  <p:cSld>
+    <p:spTree>
+      <p:nvGrpSpPr>
+        <p:cNvPr id="1" name=""/>
+        <p:cNvGrpSpPr/>
+        <p:nvPr/>
+      </p:nvGrpSpPr>
+      <p:grpSpPr>
+        <a:xfrm>
+          <a:off x="0" y="0"/>
+          <a:ext cx="0" cy="0"/>
+          <a:chOff x="0" y="0"/>
+          <a:chExt cx="0" cy="0"/>
+        </a:xfrm>
+      </p:grpSpPr>
+      <p:sp>
+        <p:nvSpPr>
+          <p:cNvPr id="2" name="TextBox 1">
+            <a:extLst>
+              <a:ext uri="{FF2B5EF4-FFF2-40B4-BE49-F238E27FC236}">
+                <a16:creationId xmlns:a16="http://schemas.microsoft.com/office/drawing/2014/main" id="{97DB970A-CEA9-45F5-BCBE-356D1B4C39B7}"/>
+              </a:ext>
+            </a:extLst>
+          </p:cNvPr>
+          <p:cNvSpPr txBox="1"/>
+          <p:nvPr/>
+        </p:nvSpPr>
+        <p:spPr>
+          <a:xfrm>
+            <a:off x="4195281" y="3136612"/>
+            <a:ext cx="3801438" cy="584775"/>
+          </a:xfrm>
+          <a:prstGeom prst="rect">
+            <a:avLst/>
+          </a:prstGeom>
+          <a:noFill/>
+        </p:spPr>
+        <p:txBody>
+          <a:bodyPr wrap="square" rtlCol="0">
+            <a:spAutoFit/>
+          </a:bodyPr>
+          <a:lstStyle/>
+          <a:p>
+            <a:r>
+              <a:rPr lang="en-US" sz="3200" dirty="0"/>
+              <a:t>End of presentation</a:t>
+            </a:r>
+            <a:endParaRPr lang="en-SG" sz="3200" dirty="0"/>
+          </a:p>
+        </p:txBody>
+      </p:sp>
+    </p:spTree>
+    <p:extLst>
+      <p:ext uri="{BB962C8B-B14F-4D97-AF65-F5344CB8AC3E}">
+        <p14:creationId xmlns:p14="http://schemas.microsoft.com/office/powerpoint/2010/main" val="1525920161"/>
       </p:ext>
     </p:extLst>
   </p:cSld>

--- a/capstone/ppt slides/Topic modeling on amd and Nvidia's gpu launch.pptx
+++ b/capstone/ppt slides/Topic modeling on amd and Nvidia's gpu launch.pptx
@@ -5,7 +5,7 @@
     <p:sldMasterId id="2147483648" r:id="rId1"/>
   </p:sldMasterIdLst>
   <p:notesMasterIdLst>
-    <p:notesMasterId r:id="rId28"/>
+    <p:notesMasterId r:id="rId31"/>
   </p:notesMasterIdLst>
   <p:sldIdLst>
     <p:sldId id="256" r:id="rId2"/>
@@ -34,6 +34,9 @@
     <p:sldId id="283" r:id="rId25"/>
     <p:sldId id="284" r:id="rId26"/>
     <p:sldId id="286" r:id="rId27"/>
+    <p:sldId id="287" r:id="rId28"/>
+    <p:sldId id="288" r:id="rId29"/>
+    <p:sldId id="289" r:id="rId30"/>
   </p:sldIdLst>
   <p:sldSz cx="12192000" cy="6858000"/>
   <p:notesSz cx="6858000" cy="9144000"/>
@@ -179,6 +182,9 @@
             <p14:sldId id="283"/>
             <p14:sldId id="284"/>
             <p14:sldId id="286"/>
+            <p14:sldId id="287"/>
+            <p14:sldId id="288"/>
+            <p14:sldId id="289"/>
           </p14:sldIdLst>
         </p14:section>
       </p14:sectionLst>
@@ -275,7 +281,7 @@
           <a:p>
             <a:fld id="{484476B5-EC00-4833-BB7E-505CB75B6B77}" type="datetimeFigureOut">
               <a:rPr lang="en-SG" smtClean="0"/>
-              <a:t>27/1/2021</a:t>
+              <a:t>28/1/2021</a:t>
             </a:fld>
             <a:endParaRPr lang="en-SG" dirty="0"/>
           </a:p>
@@ -2473,13 +2479,6 @@
               </a:rPr>
               <a:t> of 100, it means that whenever the model is trying to guess the next word it is as confused as if it had to pick between 100 words</a:t>
             </a:r>
-            <a:endParaRPr lang="en-SG" b="0" i="0" dirty="0">
-              <a:solidFill>
-                <a:srgbClr val="000000"/>
-              </a:solidFill>
-              <a:effectLst/>
-              <a:latin typeface="Helvetica Neue"/>
-            </a:endParaRPr>
           </a:p>
           <a:p>
             <a:pPr marL="0" marR="0" lvl="0" indent="0" algn="l" defTabSz="914400" rtl="0" eaLnBrk="1" fontAlgn="auto" latinLnBrk="0" hangingPunct="1">
@@ -2499,12 +2498,12 @@
               <a:tabLst/>
               <a:defRPr/>
             </a:pPr>
-            <a:endParaRPr lang="en-SG" b="0" i="0" dirty="0">
+            <a:endParaRPr lang="en-US" b="0" i="0" dirty="0">
               <a:solidFill>
-                <a:srgbClr val="000000"/>
+                <a:srgbClr val="202124"/>
               </a:solidFill>
               <a:effectLst/>
-              <a:latin typeface="Helvetica Neue"/>
+              <a:latin typeface="arial" panose="020B0604020202020204" pitchFamily="34" charset="0"/>
             </a:endParaRPr>
           </a:p>
           <a:p>
@@ -2526,24 +2525,8 @@
               <a:defRPr/>
             </a:pPr>
             <a:r>
-              <a:rPr lang="en-SG" b="0" i="0" dirty="0">
-                <a:solidFill>
-                  <a:srgbClr val="000000"/>
-                </a:solidFill>
-                <a:effectLst/>
-                <a:latin typeface="Helvetica Neue"/>
-              </a:rPr>
-              <a:t>Coherence score: </a:t>
-            </a:r>
-            <a:r>
-              <a:rPr lang="en-US" b="0" i="0" dirty="0">
-                <a:solidFill>
-                  <a:srgbClr val="000000"/>
-                </a:solidFill>
-                <a:effectLst/>
-                <a:latin typeface="Arial" panose="020B0604020202020204" pitchFamily="34" charset="0"/>
-              </a:rPr>
-              <a:t>average /median of the pairwise word-similarity scores of the words in the topic</a:t>
+              <a:rPr lang="en-SG" dirty="0"/>
+              <a:t>Latent Dirichlet Allocation (LDA) </a:t>
             </a:r>
             <a:endParaRPr lang="en-SG" b="0" i="0" dirty="0">
               <a:solidFill>
@@ -2605,8 +2588,25 @@
                 <a:effectLst/>
                 <a:latin typeface="Helvetica Neue"/>
               </a:rPr>
-              <a:t>0: Related to stocks availability.</a:t>
-            </a:r>
+              <a:t>Coherence score: </a:t>
+            </a:r>
+            <a:r>
+              <a:rPr lang="en-US" b="0" i="0" dirty="0">
+                <a:solidFill>
+                  <a:srgbClr val="000000"/>
+                </a:solidFill>
+                <a:effectLst/>
+                <a:latin typeface="Arial" panose="020B0604020202020204" pitchFamily="34" charset="0"/>
+              </a:rPr>
+              <a:t>average /median of the pairwise word-similarity scores of the words in the topic</a:t>
+            </a:r>
+            <a:endParaRPr lang="en-SG" b="0" i="0" dirty="0">
+              <a:solidFill>
+                <a:srgbClr val="000000"/>
+              </a:solidFill>
+              <a:effectLst/>
+              <a:latin typeface="Helvetica Neue"/>
+            </a:endParaRPr>
           </a:p>
           <a:p>
             <a:pPr marL="0" marR="0" lvl="0" indent="0" algn="l" defTabSz="914400" rtl="0" eaLnBrk="1" fontAlgn="auto" latinLnBrk="0" hangingPunct="1">
@@ -2626,46 +2626,13 @@
               <a:tabLst/>
               <a:defRPr/>
             </a:pPr>
-            <a:r>
-              <a:rPr lang="en-SG" b="0" i="0" dirty="0">
-                <a:solidFill>
-                  <a:srgbClr val="000000"/>
-                </a:solidFill>
-                <a:effectLst/>
-                <a:latin typeface="Helvetica Neue"/>
-              </a:rPr>
-              <a:t>1: </a:t>
-            </a:r>
-            <a:r>
-              <a:rPr lang="en-US" b="0" i="0" dirty="0">
-                <a:solidFill>
-                  <a:srgbClr val="000000"/>
-                </a:solidFill>
-                <a:effectLst/>
-                <a:latin typeface="Helvetica Neue"/>
-              </a:rPr>
-              <a:t>Different resolutions, 1080p and 4k. Monitor and </a:t>
-            </a:r>
-            <a:r>
-              <a:rPr lang="en-US" b="0" i="0" dirty="0" err="1">
-                <a:solidFill>
-                  <a:srgbClr val="000000"/>
-                </a:solidFill>
-                <a:effectLst/>
-                <a:latin typeface="Helvetica Neue"/>
-              </a:rPr>
-              <a:t>cpu</a:t>
-            </a:r>
-            <a:r>
-              <a:rPr lang="en-US" b="0" i="0" dirty="0">
-                <a:solidFill>
-                  <a:srgbClr val="000000"/>
-                </a:solidFill>
-                <a:effectLst/>
-                <a:latin typeface="Helvetica Neue"/>
-              </a:rPr>
-              <a:t>.</a:t>
-            </a:r>
+            <a:endParaRPr lang="en-SG" b="0" i="0" dirty="0">
+              <a:solidFill>
+                <a:srgbClr val="000000"/>
+              </a:solidFill>
+              <a:effectLst/>
+              <a:latin typeface="Helvetica Neue"/>
+            </a:endParaRPr>
           </a:p>
           <a:p>
             <a:pPr marL="0" marR="0" lvl="0" indent="0" algn="l" defTabSz="914400" rtl="0" eaLnBrk="1" fontAlgn="auto" latinLnBrk="0" hangingPunct="1">
@@ -2693,17 +2660,7 @@
                 <a:effectLst/>
                 <a:latin typeface="Helvetica Neue"/>
               </a:rPr>
-              <a:t>2: </a:t>
-            </a:r>
-            <a:r>
-              <a:rPr lang="en-US" b="0" i="0" dirty="0">
-                <a:solidFill>
-                  <a:srgbClr val="000000"/>
-                </a:solidFill>
-                <a:effectLst/>
-                <a:latin typeface="Helvetica Neue"/>
-              </a:rPr>
-              <a:t>Talks about DLSS (Deep Learning Super Sampling) and ray tracing which are features in Nvidia's GPUs</a:t>
+              <a:t>0: Related to stocks availability.</a:t>
             </a:r>
           </a:p>
           <a:p>
@@ -2732,7 +2689,7 @@
                 <a:effectLst/>
                 <a:latin typeface="Helvetica Neue"/>
               </a:rPr>
-              <a:t>3: </a:t>
+              <a:t>1: </a:t>
             </a:r>
             <a:r>
               <a:rPr lang="en-US" b="0" i="0" dirty="0">
@@ -2742,7 +2699,27 @@
                 <a:effectLst/>
                 <a:latin typeface="Helvetica Neue"/>
               </a:rPr>
-              <a:t>Talks about the PSU (Power supply unit) and the power efficiency</a:t>
+              <a:t>Different resolutions, 1080p and 4k. Monitor and </a:t>
+            </a:r>
+            <a:r>
+              <a:rPr lang="en-US" b="0" i="0" dirty="0" err="1">
+                <a:solidFill>
+                  <a:srgbClr val="000000"/>
+                </a:solidFill>
+                <a:effectLst/>
+                <a:latin typeface="Helvetica Neue"/>
+              </a:rPr>
+              <a:t>cpu</a:t>
+            </a:r>
+            <a:r>
+              <a:rPr lang="en-US" b="0" i="0" dirty="0">
+                <a:solidFill>
+                  <a:srgbClr val="000000"/>
+                </a:solidFill>
+                <a:effectLst/>
+                <a:latin typeface="Helvetica Neue"/>
+              </a:rPr>
+              <a:t>.</a:t>
             </a:r>
           </a:p>
           <a:p>
@@ -2771,7 +2748,17 @@
                 <a:effectLst/>
                 <a:latin typeface="Helvetica Neue"/>
               </a:rPr>
-              <a:t>4: Different models of GPUs</a:t>
+              <a:t>2: </a:t>
+            </a:r>
+            <a:r>
+              <a:rPr lang="en-US" b="0" i="0" dirty="0">
+                <a:solidFill>
+                  <a:srgbClr val="000000"/>
+                </a:solidFill>
+                <a:effectLst/>
+                <a:latin typeface="Helvetica Neue"/>
+              </a:rPr>
+              <a:t>Talks about DLSS (Deep Learning Super Sampling) and ray tracing which are features in Nvidia's GPUs</a:t>
             </a:r>
           </a:p>
           <a:p>
@@ -2792,6 +2779,74 @@
               <a:tabLst/>
               <a:defRPr/>
             </a:pPr>
+            <a:r>
+              <a:rPr lang="en-SG" b="0" i="0" dirty="0">
+                <a:solidFill>
+                  <a:srgbClr val="000000"/>
+                </a:solidFill>
+                <a:effectLst/>
+                <a:latin typeface="Helvetica Neue"/>
+              </a:rPr>
+              <a:t>3: </a:t>
+            </a:r>
+            <a:r>
+              <a:rPr lang="en-US" b="0" i="0" dirty="0">
+                <a:solidFill>
+                  <a:srgbClr val="000000"/>
+                </a:solidFill>
+                <a:effectLst/>
+                <a:latin typeface="Helvetica Neue"/>
+              </a:rPr>
+              <a:t>Talks about the PSU (Power supply unit) and the power efficiency</a:t>
+            </a:r>
+          </a:p>
+          <a:p>
+            <a:pPr marL="0" marR="0" lvl="0" indent="0" algn="l" defTabSz="914400" rtl="0" eaLnBrk="1" fontAlgn="auto" latinLnBrk="0" hangingPunct="1">
+              <a:lnSpc>
+                <a:spcPct val="100000"/>
+              </a:lnSpc>
+              <a:spcBef>
+                <a:spcPts val="0"/>
+              </a:spcBef>
+              <a:spcAft>
+                <a:spcPts val="0"/>
+              </a:spcAft>
+              <a:buClrTx/>
+              <a:buSzTx/>
+              <a:buFontTx/>
+              <a:buNone/>
+              <a:tabLst/>
+              <a:defRPr/>
+            </a:pPr>
+            <a:r>
+              <a:rPr lang="en-SG" b="0" i="0" dirty="0">
+                <a:solidFill>
+                  <a:srgbClr val="000000"/>
+                </a:solidFill>
+                <a:effectLst/>
+                <a:latin typeface="Helvetica Neue"/>
+              </a:rPr>
+              <a:t>4: Different models of GPUs</a:t>
+            </a:r>
+          </a:p>
+          <a:p>
+            <a:pPr marL="0" marR="0" lvl="0" indent="0" algn="l" defTabSz="914400" rtl="0" eaLnBrk="1" fontAlgn="auto" latinLnBrk="0" hangingPunct="1">
+              <a:lnSpc>
+                <a:spcPct val="100000"/>
+              </a:lnSpc>
+              <a:spcBef>
+                <a:spcPts val="0"/>
+              </a:spcBef>
+              <a:spcAft>
+                <a:spcPts val="0"/>
+              </a:spcAft>
+              <a:buClrTx/>
+              <a:buSzTx/>
+              <a:buFontTx/>
+              <a:buNone/>
+              <a:tabLst/>
+              <a:defRPr/>
+            </a:pPr>
             <a:endParaRPr lang="en-SG" b="0" i="0" dirty="0">
               <a:solidFill>
                 <a:srgbClr val="000000"/>
@@ -2799,6 +2854,55 @@
               <a:effectLst/>
               <a:latin typeface="Helvetica Neue"/>
             </a:endParaRPr>
+          </a:p>
+          <a:p>
+            <a:pPr marL="0" marR="0" lvl="0" indent="0" algn="l" defTabSz="914400" rtl="0" eaLnBrk="1" fontAlgn="auto" latinLnBrk="0" hangingPunct="1">
+              <a:lnSpc>
+                <a:spcPct val="100000"/>
+              </a:lnSpc>
+              <a:spcBef>
+                <a:spcPts val="0"/>
+              </a:spcBef>
+              <a:spcAft>
+                <a:spcPts val="0"/>
+              </a:spcAft>
+              <a:buClrTx/>
+              <a:buSzTx/>
+              <a:buFontTx/>
+              <a:buNone/>
+              <a:tabLst/>
+              <a:defRPr/>
+            </a:pPr>
+            <a:r>
+              <a:rPr lang="en-US" dirty="0">
+                <a:effectLst/>
+              </a:rPr>
+              <a:t>Topic modelling is used for detecting patterns such as word frequency and the distance between the words. It shows </a:t>
+            </a:r>
+            <a:r>
+              <a:rPr lang="en-US" b="1" dirty="0">
+                <a:solidFill>
+                  <a:srgbClr val="E30000"/>
+                </a:solidFill>
+                <a:effectLst/>
+              </a:rPr>
+              <a:t>words and expressions</a:t>
+            </a:r>
+            <a:r>
+              <a:rPr lang="en-US" dirty="0">
+                <a:solidFill>
+                  <a:srgbClr val="E30000"/>
+                </a:solidFill>
+                <a:effectLst/>
+              </a:rPr>
+              <a:t> </a:t>
+            </a:r>
+            <a:r>
+              <a:rPr lang="en-US" dirty="0">
+                <a:effectLst/>
+              </a:rPr>
+              <a:t>that appear the most</a:t>
+            </a:r>
           </a:p>
           <a:p>
             <a:endParaRPr lang="en-SG" dirty="0"/>
@@ -7655,7 +7759,7 @@
           <a:p>
             <a:fld id="{48A87A34-81AB-432B-8DAE-1953F412C126}" type="datetimeFigureOut">
               <a:rPr lang="en-US" dirty="0"/>
-              <a:t>1/27/2021</a:t>
+              <a:t>1/28/2021</a:t>
             </a:fld>
             <a:endParaRPr lang="en-US" dirty="0"/>
           </a:p>
@@ -7916,7 +8020,7 @@
           <a:p>
             <a:fld id="{48A87A34-81AB-432B-8DAE-1953F412C126}" type="datetimeFigureOut">
               <a:rPr lang="en-US" dirty="0"/>
-              <a:t>1/27/2021</a:t>
+              <a:t>1/28/2021</a:t>
             </a:fld>
             <a:endParaRPr lang="en-US" dirty="0"/>
           </a:p>
@@ -8107,7 +8211,7 @@
           <a:p>
             <a:fld id="{48A87A34-81AB-432B-8DAE-1953F412C126}" type="datetimeFigureOut">
               <a:rPr lang="en-US" dirty="0"/>
-              <a:t>1/27/2021</a:t>
+              <a:t>1/28/2021</a:t>
             </a:fld>
             <a:endParaRPr lang="en-US" dirty="0"/>
           </a:p>
@@ -8365,7 +8469,7 @@
           <a:p>
             <a:fld id="{48A87A34-81AB-432B-8DAE-1953F412C126}" type="datetimeFigureOut">
               <a:rPr lang="en-US" dirty="0"/>
-              <a:t>1/27/2021</a:t>
+              <a:t>1/28/2021</a:t>
             </a:fld>
             <a:endParaRPr lang="en-US" dirty="0"/>
           </a:p>
@@ -8794,7 +8898,7 @@
           <a:p>
             <a:fld id="{48A87A34-81AB-432B-8DAE-1953F412C126}" type="datetimeFigureOut">
               <a:rPr lang="en-US" dirty="0"/>
-              <a:t>1/27/2021</a:t>
+              <a:t>1/28/2021</a:t>
             </a:fld>
             <a:endParaRPr lang="en-US" dirty="0"/>
           </a:p>
@@ -9335,7 +9439,7 @@
           <a:p>
             <a:fld id="{48A87A34-81AB-432B-8DAE-1953F412C126}" type="datetimeFigureOut">
               <a:rPr lang="en-US" dirty="0"/>
-              <a:t>1/27/2021</a:t>
+              <a:t>1/28/2021</a:t>
             </a:fld>
             <a:endParaRPr lang="en-US" dirty="0"/>
           </a:p>
@@ -10047,7 +10151,7 @@
           <a:p>
             <a:fld id="{48A87A34-81AB-432B-8DAE-1953F412C126}" type="datetimeFigureOut">
               <a:rPr lang="en-US" dirty="0"/>
-              <a:t>1/27/2021</a:t>
+              <a:t>1/28/2021</a:t>
             </a:fld>
             <a:endParaRPr lang="en-US" dirty="0"/>
           </a:p>
@@ -10212,7 +10316,7 @@
           <a:p>
             <a:fld id="{48A87A34-81AB-432B-8DAE-1953F412C126}" type="datetimeFigureOut">
               <a:rPr lang="en-US" dirty="0"/>
-              <a:t>1/27/2021</a:t>
+              <a:t>1/28/2021</a:t>
             </a:fld>
             <a:endParaRPr lang="en-US" dirty="0"/>
           </a:p>
@@ -10387,7 +10491,7 @@
           <a:p>
             <a:fld id="{48A87A34-81AB-432B-8DAE-1953F412C126}" type="datetimeFigureOut">
               <a:rPr lang="en-US" dirty="0"/>
-              <a:t>1/27/2021</a:t>
+              <a:t>1/28/2021</a:t>
             </a:fld>
             <a:endParaRPr lang="en-US" dirty="0"/>
           </a:p>
@@ -10552,7 +10656,7 @@
           <a:p>
             <a:fld id="{48A87A34-81AB-432B-8DAE-1953F412C126}" type="datetimeFigureOut">
               <a:rPr lang="en-US" dirty="0"/>
-              <a:t>1/27/2021</a:t>
+              <a:t>1/28/2021</a:t>
             </a:fld>
             <a:endParaRPr lang="en-US" dirty="0"/>
           </a:p>
@@ -10797,7 +10901,7 @@
           <a:p>
             <a:fld id="{48A87A34-81AB-432B-8DAE-1953F412C126}" type="datetimeFigureOut">
               <a:rPr lang="en-US" dirty="0"/>
-              <a:t>1/27/2021</a:t>
+              <a:t>1/28/2021</a:t>
             </a:fld>
             <a:endParaRPr lang="en-US" dirty="0"/>
           </a:p>
@@ -11024,7 +11128,7 @@
           <a:p>
             <a:fld id="{48A87A34-81AB-432B-8DAE-1953F412C126}" type="datetimeFigureOut">
               <a:rPr lang="en-US" dirty="0"/>
-              <a:t>1/27/2021</a:t>
+              <a:t>1/28/2021</a:t>
             </a:fld>
             <a:endParaRPr lang="en-US" dirty="0"/>
           </a:p>
@@ -11400,7 +11504,7 @@
           <a:p>
             <a:fld id="{48A87A34-81AB-432B-8DAE-1953F412C126}" type="datetimeFigureOut">
               <a:rPr lang="en-US" dirty="0"/>
-              <a:t>1/27/2021</a:t>
+              <a:t>1/28/2021</a:t>
             </a:fld>
             <a:endParaRPr lang="en-US" dirty="0"/>
           </a:p>
@@ -11513,7 +11617,7 @@
           <a:p>
             <a:fld id="{48A87A34-81AB-432B-8DAE-1953F412C126}" type="datetimeFigureOut">
               <a:rPr lang="en-US" dirty="0"/>
-              <a:t>1/27/2021</a:t>
+              <a:t>1/28/2021</a:t>
             </a:fld>
             <a:endParaRPr lang="en-US" dirty="0"/>
           </a:p>
@@ -11603,7 +11707,7 @@
           <a:p>
             <a:fld id="{48A87A34-81AB-432B-8DAE-1953F412C126}" type="datetimeFigureOut">
               <a:rPr lang="en-US" dirty="0"/>
-              <a:t>1/27/2021</a:t>
+              <a:t>1/28/2021</a:t>
             </a:fld>
             <a:endParaRPr lang="en-US" dirty="0"/>
           </a:p>
@@ -11847,7 +11951,7 @@
           <a:p>
             <a:fld id="{48A87A34-81AB-432B-8DAE-1953F412C126}" type="datetimeFigureOut">
               <a:rPr lang="en-US" dirty="0"/>
-              <a:t>1/27/2021</a:t>
+              <a:t>1/28/2021</a:t>
             </a:fld>
             <a:endParaRPr lang="en-US" dirty="0"/>
           </a:p>
@@ -12121,7 +12225,7 @@
           <a:p>
             <a:fld id="{48A87A34-81AB-432B-8DAE-1953F412C126}" type="datetimeFigureOut">
               <a:rPr lang="en-US" dirty="0"/>
-              <a:t>1/27/2021</a:t>
+              <a:t>1/28/2021</a:t>
             </a:fld>
             <a:endParaRPr lang="en-US" dirty="0"/>
           </a:p>
@@ -15194,7 +15298,7 @@
             <a:fld id="{48A87A34-81AB-432B-8DAE-1953F412C126}" type="datetimeFigureOut">
               <a:rPr lang="en-US" dirty="0"/>
               <a:pPr/>
-              <a:t>1/27/2021</a:t>
+              <a:t>1/28/2021</a:t>
             </a:fld>
             <a:endParaRPr lang="en-US" dirty="0"/>
           </a:p>
@@ -16413,7 +16517,7 @@
           <a:p>
             <a:r>
               <a:rPr lang="en-US" dirty="0"/>
-              <a:t>AMD comparing LDA model and </a:t>
+              <a:t>AMD: comparing LDA model and </a:t>
             </a:r>
             <a:r>
               <a:rPr lang="en-US" dirty="0" err="1"/>
@@ -16449,7 +16553,7 @@
         </p:blipFill>
         <p:spPr>
           <a:xfrm>
-            <a:off x="5598240" y="2189810"/>
+            <a:off x="5598240" y="3190293"/>
             <a:ext cx="6000750" cy="3286125"/>
           </a:xfrm>
           <a:prstGeom prst="rect">
@@ -16707,7 +16811,7 @@
         </p:nvSpPr>
         <p:spPr>
           <a:xfrm>
-            <a:off x="5598240" y="1605035"/>
+            <a:off x="5598240" y="2554175"/>
             <a:ext cx="3112127" cy="584775"/>
           </a:xfrm>
           <a:prstGeom prst="rect">
@@ -21073,7 +21177,16 @@
             </a:pPr>
             <a:r>
               <a:rPr lang="en-US" dirty="0"/>
-              <a:t>5. Conclusion</a:t>
+              <a:t>5. Project Limitations</a:t>
+            </a:r>
+          </a:p>
+          <a:p>
+            <a:pPr marL="0" indent="0">
+              <a:buNone/>
+            </a:pPr>
+            <a:r>
+              <a:rPr lang="en-US" dirty="0"/>
+              <a:t>6. Conclusion</a:t>
             </a:r>
           </a:p>
         </p:txBody>
@@ -21805,6 +21918,292 @@
     <p:extLst>
       <p:ext uri="{BB962C8B-B14F-4D97-AF65-F5344CB8AC3E}">
         <p14:creationId xmlns:p14="http://schemas.microsoft.com/office/powerpoint/2010/main" val="1525920161"/>
+      </p:ext>
+    </p:extLst>
+  </p:cSld>
+  <p:clrMapOvr>
+    <a:masterClrMapping/>
+  </p:clrMapOvr>
+</p:sld>
+</file>
+
+<file path=ppt/slides/slide27.xml><?xml version="1.0" encoding="utf-8"?>
+<p:sld xmlns:a="http://schemas.openxmlformats.org/drawingml/2006/main" xmlns:r="http://schemas.openxmlformats.org/officeDocument/2006/relationships" xmlns:p="http://schemas.openxmlformats.org/presentationml/2006/main" show="0">
+  <p:cSld>
+    <p:spTree>
+      <p:nvGrpSpPr>
+        <p:cNvPr id="1" name=""/>
+        <p:cNvGrpSpPr/>
+        <p:nvPr/>
+      </p:nvGrpSpPr>
+      <p:grpSpPr>
+        <a:xfrm>
+          <a:off x="0" y="0"/>
+          <a:ext cx="0" cy="0"/>
+          <a:chOff x="0" y="0"/>
+          <a:chExt cx="0" cy="0"/>
+        </a:xfrm>
+      </p:grpSpPr>
+      <p:sp>
+        <p:nvSpPr>
+          <p:cNvPr id="6" name="TextBox 5">
+            <a:extLst>
+              <a:ext uri="{FF2B5EF4-FFF2-40B4-BE49-F238E27FC236}">
+                <a16:creationId xmlns:a16="http://schemas.microsoft.com/office/drawing/2014/main" id="{AC58C82A-AE19-4C4E-AEBC-63F57787AD11}"/>
+              </a:ext>
+            </a:extLst>
+          </p:cNvPr>
+          <p:cNvSpPr txBox="1"/>
+          <p:nvPr/>
+        </p:nvSpPr>
+        <p:spPr>
+          <a:xfrm>
+            <a:off x="4397340" y="3429000"/>
+            <a:ext cx="6657654" cy="769441"/>
+          </a:xfrm>
+          <a:prstGeom prst="rect">
+            <a:avLst/>
+          </a:prstGeom>
+          <a:noFill/>
+        </p:spPr>
+        <p:txBody>
+          <a:bodyPr wrap="square" rtlCol="0">
+            <a:spAutoFit/>
+          </a:bodyPr>
+          <a:lstStyle/>
+          <a:p>
+            <a:r>
+              <a:rPr lang="en-US" sz="4400" dirty="0">
+                <a:latin typeface="+mj-lt"/>
+              </a:rPr>
+              <a:t>Appendix</a:t>
+            </a:r>
+            <a:endParaRPr lang="en-SG" sz="4400" dirty="0">
+              <a:latin typeface="+mj-lt"/>
+            </a:endParaRPr>
+          </a:p>
+        </p:txBody>
+      </p:sp>
+    </p:spTree>
+    <p:extLst>
+      <p:ext uri="{BB962C8B-B14F-4D97-AF65-F5344CB8AC3E}">
+        <p14:creationId xmlns:p14="http://schemas.microsoft.com/office/powerpoint/2010/main" val="140386245"/>
+      </p:ext>
+    </p:extLst>
+  </p:cSld>
+  <p:clrMapOvr>
+    <a:masterClrMapping/>
+  </p:clrMapOvr>
+</p:sld>
+</file>
+
+<file path=ppt/slides/slide28.xml><?xml version="1.0" encoding="utf-8"?>
+<p:sld xmlns:a="http://schemas.openxmlformats.org/drawingml/2006/main" xmlns:r="http://schemas.openxmlformats.org/officeDocument/2006/relationships" xmlns:p="http://schemas.openxmlformats.org/presentationml/2006/main" show="0">
+  <p:cSld>
+    <p:spTree>
+      <p:nvGrpSpPr>
+        <p:cNvPr id="1" name=""/>
+        <p:cNvGrpSpPr/>
+        <p:nvPr/>
+      </p:nvGrpSpPr>
+      <p:grpSpPr>
+        <a:xfrm>
+          <a:off x="0" y="0"/>
+          <a:ext cx="0" cy="0"/>
+          <a:chOff x="0" y="0"/>
+          <a:chExt cx="0" cy="0"/>
+        </a:xfrm>
+      </p:grpSpPr>
+      <p:sp>
+        <p:nvSpPr>
+          <p:cNvPr id="2" name="Title 1">
+            <a:extLst>
+              <a:ext uri="{FF2B5EF4-FFF2-40B4-BE49-F238E27FC236}">
+                <a16:creationId xmlns:a16="http://schemas.microsoft.com/office/drawing/2014/main" id="{E5402B0F-1D76-4506-993F-5FA1EDFFA34B}"/>
+              </a:ext>
+            </a:extLst>
+          </p:cNvPr>
+          <p:cNvSpPr>
+            <a:spLocks noGrp="1"/>
+          </p:cNvSpPr>
+          <p:nvPr>
+            <p:ph type="title"/>
+          </p:nvPr>
+        </p:nvSpPr>
+        <p:spPr/>
+        <p:txBody>
+          <a:bodyPr/>
+          <a:lstStyle/>
+          <a:p>
+            <a:r>
+              <a:rPr lang="en-US" dirty="0"/>
+              <a:t>Appendix: AMD word count and weight of topic keywords</a:t>
+            </a:r>
+            <a:endParaRPr lang="en-SG" dirty="0"/>
+          </a:p>
+        </p:txBody>
+      </p:sp>
+      <p:pic>
+        <p:nvPicPr>
+          <p:cNvPr id="5" name="Picture 4">
+            <a:extLst>
+              <a:ext uri="{FF2B5EF4-FFF2-40B4-BE49-F238E27FC236}">
+                <a16:creationId xmlns:a16="http://schemas.microsoft.com/office/drawing/2014/main" id="{08B9890C-BE1E-4F96-BC67-C83E9B20D86B}"/>
+              </a:ext>
+            </a:extLst>
+          </p:cNvPr>
+          <p:cNvPicPr>
+            <a:picLocks noChangeAspect="1"/>
+          </p:cNvPicPr>
+          <p:nvPr/>
+        </p:nvPicPr>
+        <p:blipFill>
+          <a:blip r:embed="rId2"/>
+          <a:stretch>
+            <a:fillRect/>
+          </a:stretch>
+        </p:blipFill>
+        <p:spPr>
+          <a:xfrm>
+            <a:off x="1141413" y="1850963"/>
+            <a:ext cx="6903993" cy="4881679"/>
+          </a:xfrm>
+          <a:prstGeom prst="rect">
+            <a:avLst/>
+          </a:prstGeom>
+        </p:spPr>
+      </p:pic>
+      <p:pic>
+        <p:nvPicPr>
+          <p:cNvPr id="7" name="Picture 6">
+            <a:extLst>
+              <a:ext uri="{FF2B5EF4-FFF2-40B4-BE49-F238E27FC236}">
+                <a16:creationId xmlns:a16="http://schemas.microsoft.com/office/drawing/2014/main" id="{7ED3E3BF-A9F8-4583-BD3E-AB468F3AA753}"/>
+              </a:ext>
+            </a:extLst>
+          </p:cNvPr>
+          <p:cNvPicPr>
+            <a:picLocks noChangeAspect="1"/>
+          </p:cNvPicPr>
+          <p:nvPr/>
+        </p:nvPicPr>
+        <p:blipFill>
+          <a:blip r:embed="rId3"/>
+          <a:stretch>
+            <a:fillRect/>
+          </a:stretch>
+        </p:blipFill>
+        <p:spPr>
+          <a:xfrm>
+            <a:off x="8045407" y="4646376"/>
+            <a:ext cx="4146594" cy="2086266"/>
+          </a:xfrm>
+          <a:prstGeom prst="rect">
+            <a:avLst/>
+          </a:prstGeom>
+        </p:spPr>
+      </p:pic>
+    </p:spTree>
+    <p:extLst>
+      <p:ext uri="{BB962C8B-B14F-4D97-AF65-F5344CB8AC3E}">
+        <p14:creationId xmlns:p14="http://schemas.microsoft.com/office/powerpoint/2010/main" val="3881962862"/>
+      </p:ext>
+    </p:extLst>
+  </p:cSld>
+  <p:clrMapOvr>
+    <a:masterClrMapping/>
+  </p:clrMapOvr>
+</p:sld>
+</file>
+
+<file path=ppt/slides/slide29.xml><?xml version="1.0" encoding="utf-8"?>
+<p:sld xmlns:a="http://schemas.openxmlformats.org/drawingml/2006/main" xmlns:r="http://schemas.openxmlformats.org/officeDocument/2006/relationships" xmlns:p="http://schemas.openxmlformats.org/presentationml/2006/main" show="0">
+  <p:cSld>
+    <p:spTree>
+      <p:nvGrpSpPr>
+        <p:cNvPr id="1" name=""/>
+        <p:cNvGrpSpPr/>
+        <p:nvPr/>
+      </p:nvGrpSpPr>
+      <p:grpSpPr>
+        <a:xfrm>
+          <a:off x="0" y="0"/>
+          <a:ext cx="0" cy="0"/>
+          <a:chOff x="0" y="0"/>
+          <a:chExt cx="0" cy="0"/>
+        </a:xfrm>
+      </p:grpSpPr>
+      <p:sp>
+        <p:nvSpPr>
+          <p:cNvPr id="2" name="Title 1">
+            <a:extLst>
+              <a:ext uri="{FF2B5EF4-FFF2-40B4-BE49-F238E27FC236}">
+                <a16:creationId xmlns:a16="http://schemas.microsoft.com/office/drawing/2014/main" id="{E5402B0F-1D76-4506-993F-5FA1EDFFA34B}"/>
+              </a:ext>
+            </a:extLst>
+          </p:cNvPr>
+          <p:cNvSpPr>
+            <a:spLocks noGrp="1"/>
+          </p:cNvSpPr>
+          <p:nvPr>
+            <p:ph type="title"/>
+          </p:nvPr>
+        </p:nvSpPr>
+        <p:spPr/>
+        <p:txBody>
+          <a:bodyPr/>
+          <a:lstStyle/>
+          <a:p>
+            <a:r>
+              <a:rPr lang="en-US" dirty="0"/>
+              <a:t>Appendix: </a:t>
+            </a:r>
+            <a:r>
+              <a:rPr lang="en-US" dirty="0" err="1"/>
+              <a:t>nvidia</a:t>
+            </a:r>
+            <a:r>
+              <a:rPr lang="en-US" dirty="0"/>
+              <a:t> word count and weight of topic keywords</a:t>
+            </a:r>
+            <a:endParaRPr lang="en-SG" dirty="0"/>
+          </a:p>
+        </p:txBody>
+      </p:sp>
+      <p:pic>
+        <p:nvPicPr>
+          <p:cNvPr id="5" name="Picture 4">
+            <a:extLst>
+              <a:ext uri="{FF2B5EF4-FFF2-40B4-BE49-F238E27FC236}">
+                <a16:creationId xmlns:a16="http://schemas.microsoft.com/office/drawing/2014/main" id="{A1F3F60B-DFBD-437B-B5F8-ABD7FF5E9C06}"/>
+              </a:ext>
+            </a:extLst>
+          </p:cNvPr>
+          <p:cNvPicPr>
+            <a:picLocks noChangeAspect="1"/>
+          </p:cNvPicPr>
+          <p:nvPr/>
+        </p:nvPicPr>
+        <p:blipFill>
+          <a:blip r:embed="rId2"/>
+          <a:stretch>
+            <a:fillRect/>
+          </a:stretch>
+        </p:blipFill>
+        <p:spPr>
+          <a:xfrm>
+            <a:off x="1141413" y="1922183"/>
+            <a:ext cx="8440328" cy="3753374"/>
+          </a:xfrm>
+          <a:prstGeom prst="rect">
+            <a:avLst/>
+          </a:prstGeom>
+        </p:spPr>
+      </p:pic>
+    </p:spTree>
+    <p:extLst>
+      <p:ext uri="{BB962C8B-B14F-4D97-AF65-F5344CB8AC3E}">
+        <p14:creationId xmlns:p14="http://schemas.microsoft.com/office/powerpoint/2010/main" val="4124037529"/>
       </p:ext>
     </p:extLst>
   </p:cSld>
